--- a/презентация разработчик.pptx
+++ b/презентация разработчик.pptx
@@ -15,6 +15,8 @@
     <p:sldId id="261" r:id="rId9"/>
     <p:sldId id="262" r:id="rId10"/>
     <p:sldId id="264" r:id="rId11"/>
+    <p:sldId id="266" r:id="rId12"/>
+    <p:sldId id="267" r:id="rId13"/>
   </p:sldIdLst>
   <p:sldSz cx="12192000" cy="6858000"/>
   <p:notesSz cx="6858000" cy="9144000"/>
@@ -113,6 +115,11 @@
       </a:defRPr>
     </a:lvl9pPr>
   </p:defaultTextStyle>
+  <p:extLst>
+    <p:ext uri="{EFAFB233-063F-42B5-8137-9DF3F51BA10A}">
+      <p15:sldGuideLst xmlns:p15="http://schemas.microsoft.com/office/powerpoint/2012/main"/>
+    </p:ext>
+  </p:extLst>
 </p:presentation>
 </file>
 
@@ -2886,6 +2893,788 @@
 </file>
 
 <file path=ppt/diagrams/colors4.xml><?xml version="1.0" encoding="utf-8"?>
+<dgm:colorsDef xmlns:dgm="http://schemas.openxmlformats.org/drawingml/2006/diagram" xmlns:a="http://schemas.openxmlformats.org/drawingml/2006/main" uniqueId="urn:microsoft.com/office/officeart/2005/8/colors/colorful2">
+  <dgm:title val=""/>
+  <dgm:desc val=""/>
+  <dgm:catLst>
+    <dgm:cat type="colorful" pri="10200"/>
+  </dgm:catLst>
+  <dgm:styleLbl name="node0">
+    <dgm:fillClrLst meth="repeat">
+      <a:schemeClr val="accent1"/>
+    </dgm:fillClrLst>
+    <dgm:linClrLst meth="repeat">
+      <a:schemeClr val="lt1"/>
+    </dgm:linClrLst>
+    <dgm:effectClrLst/>
+    <dgm:txLinClrLst/>
+    <dgm:txFillClrLst/>
+    <dgm:txEffectClrLst/>
+  </dgm:styleLbl>
+  <dgm:styleLbl name="node1">
+    <dgm:fillClrLst>
+      <a:schemeClr val="accent2"/>
+      <a:schemeClr val="accent3"/>
+    </dgm:fillClrLst>
+    <dgm:linClrLst meth="repeat">
+      <a:schemeClr val="lt1"/>
+    </dgm:linClrLst>
+    <dgm:effectClrLst/>
+    <dgm:txLinClrLst/>
+    <dgm:txFillClrLst/>
+    <dgm:txEffectClrLst/>
+  </dgm:styleLbl>
+  <dgm:styleLbl name="alignNode1">
+    <dgm:fillClrLst>
+      <a:schemeClr val="accent2"/>
+      <a:schemeClr val="accent3"/>
+    </dgm:fillClrLst>
+    <dgm:linClrLst>
+      <a:schemeClr val="accent2"/>
+      <a:schemeClr val="accent3"/>
+    </dgm:linClrLst>
+    <dgm:effectClrLst/>
+    <dgm:txLinClrLst/>
+    <dgm:txFillClrLst/>
+    <dgm:txEffectClrLst/>
+  </dgm:styleLbl>
+  <dgm:styleLbl name="lnNode1">
+    <dgm:fillClrLst>
+      <a:schemeClr val="accent2"/>
+      <a:schemeClr val="accent3"/>
+    </dgm:fillClrLst>
+    <dgm:linClrLst meth="repeat">
+      <a:schemeClr val="lt1"/>
+    </dgm:linClrLst>
+    <dgm:effectClrLst/>
+    <dgm:txLinClrLst/>
+    <dgm:txFillClrLst/>
+    <dgm:txEffectClrLst/>
+  </dgm:styleLbl>
+  <dgm:styleLbl name="vennNode1">
+    <dgm:fillClrLst>
+      <a:schemeClr val="accent2">
+        <a:alpha val="50000"/>
+      </a:schemeClr>
+      <a:schemeClr val="accent3">
+        <a:alpha val="50000"/>
+      </a:schemeClr>
+    </dgm:fillClrLst>
+    <dgm:linClrLst meth="repeat">
+      <a:schemeClr val="lt1"/>
+    </dgm:linClrLst>
+    <dgm:effectClrLst/>
+    <dgm:txLinClrLst/>
+    <dgm:txFillClrLst/>
+    <dgm:txEffectClrLst/>
+  </dgm:styleLbl>
+  <dgm:styleLbl name="node2">
+    <dgm:fillClrLst>
+      <a:schemeClr val="accent3"/>
+    </dgm:fillClrLst>
+    <dgm:linClrLst meth="repeat">
+      <a:schemeClr val="lt1"/>
+    </dgm:linClrLst>
+    <dgm:effectClrLst/>
+    <dgm:txLinClrLst/>
+    <dgm:txFillClrLst/>
+    <dgm:txEffectClrLst/>
+  </dgm:styleLbl>
+  <dgm:styleLbl name="node3">
+    <dgm:fillClrLst>
+      <a:schemeClr val="accent4"/>
+    </dgm:fillClrLst>
+    <dgm:linClrLst meth="repeat">
+      <a:schemeClr val="lt1"/>
+    </dgm:linClrLst>
+    <dgm:effectClrLst/>
+    <dgm:txLinClrLst/>
+    <dgm:txFillClrLst/>
+    <dgm:txEffectClrLst/>
+  </dgm:styleLbl>
+  <dgm:styleLbl name="node4">
+    <dgm:fillClrLst>
+      <a:schemeClr val="accent5"/>
+    </dgm:fillClrLst>
+    <dgm:linClrLst meth="repeat">
+      <a:schemeClr val="lt1"/>
+    </dgm:linClrLst>
+    <dgm:effectClrLst/>
+    <dgm:txLinClrLst/>
+    <dgm:txFillClrLst/>
+    <dgm:txEffectClrLst/>
+  </dgm:styleLbl>
+  <dgm:styleLbl name="fgImgPlace1">
+    <dgm:fillClrLst>
+      <a:schemeClr val="accent2">
+        <a:tint val="50000"/>
+      </a:schemeClr>
+      <a:schemeClr val="accent3">
+        <a:tint val="50000"/>
+      </a:schemeClr>
+    </dgm:fillClrLst>
+    <dgm:linClrLst meth="repeat">
+      <a:schemeClr val="lt1"/>
+    </dgm:linClrLst>
+    <dgm:effectClrLst/>
+    <dgm:txLinClrLst/>
+    <dgm:txFillClrLst meth="repeat">
+      <a:schemeClr val="lt1"/>
+    </dgm:txFillClrLst>
+    <dgm:txEffectClrLst/>
+  </dgm:styleLbl>
+  <dgm:styleLbl name="alignImgPlace1">
+    <dgm:fillClrLst>
+      <a:schemeClr val="accent2">
+        <a:tint val="50000"/>
+      </a:schemeClr>
+      <a:schemeClr val="accent3">
+        <a:tint val="20000"/>
+      </a:schemeClr>
+    </dgm:fillClrLst>
+    <dgm:linClrLst meth="repeat">
+      <a:schemeClr val="lt1"/>
+    </dgm:linClrLst>
+    <dgm:effectClrLst/>
+    <dgm:txLinClrLst/>
+    <dgm:txFillClrLst meth="repeat">
+      <a:schemeClr val="lt1"/>
+    </dgm:txFillClrLst>
+    <dgm:txEffectClrLst/>
+  </dgm:styleLbl>
+  <dgm:styleLbl name="bgImgPlace1">
+    <dgm:fillClrLst>
+      <a:schemeClr val="accent2">
+        <a:tint val="50000"/>
+      </a:schemeClr>
+      <a:schemeClr val="accent3">
+        <a:tint val="20000"/>
+      </a:schemeClr>
+    </dgm:fillClrLst>
+    <dgm:linClrLst meth="repeat">
+      <a:schemeClr val="lt1"/>
+    </dgm:linClrLst>
+    <dgm:effectClrLst/>
+    <dgm:txLinClrLst/>
+    <dgm:txFillClrLst meth="repeat">
+      <a:schemeClr val="lt1"/>
+    </dgm:txFillClrLst>
+    <dgm:txEffectClrLst/>
+  </dgm:styleLbl>
+  <dgm:styleLbl name="sibTrans2D1">
+    <dgm:fillClrLst>
+      <a:schemeClr val="accent2"/>
+      <a:schemeClr val="accent3"/>
+    </dgm:fillClrLst>
+    <dgm:linClrLst meth="repeat">
+      <a:schemeClr val="lt1"/>
+    </dgm:linClrLst>
+    <dgm:effectClrLst/>
+    <dgm:txLinClrLst/>
+    <dgm:txFillClrLst/>
+    <dgm:txEffectClrLst/>
+  </dgm:styleLbl>
+  <dgm:styleLbl name="fgSibTrans2D1">
+    <dgm:fillClrLst>
+      <a:schemeClr val="accent2"/>
+      <a:schemeClr val="accent3"/>
+    </dgm:fillClrLst>
+    <dgm:linClrLst meth="repeat">
+      <a:schemeClr val="lt1"/>
+    </dgm:linClrLst>
+    <dgm:effectClrLst/>
+    <dgm:txLinClrLst/>
+    <dgm:txFillClrLst meth="repeat">
+      <a:schemeClr val="lt1"/>
+    </dgm:txFillClrLst>
+    <dgm:txEffectClrLst/>
+  </dgm:styleLbl>
+  <dgm:styleLbl name="bgSibTrans2D1">
+    <dgm:fillClrLst>
+      <a:schemeClr val="accent2"/>
+      <a:schemeClr val="accent3"/>
+    </dgm:fillClrLst>
+    <dgm:linClrLst meth="repeat">
+      <a:schemeClr val="lt1"/>
+    </dgm:linClrLst>
+    <dgm:effectClrLst/>
+    <dgm:txLinClrLst/>
+    <dgm:txFillClrLst meth="repeat">
+      <a:schemeClr val="lt1"/>
+    </dgm:txFillClrLst>
+    <dgm:txEffectClrLst/>
+  </dgm:styleLbl>
+  <dgm:styleLbl name="sibTrans1D1">
+    <dgm:fillClrLst/>
+    <dgm:linClrLst>
+      <a:schemeClr val="accent2"/>
+      <a:schemeClr val="accent3"/>
+    </dgm:linClrLst>
+    <dgm:effectClrLst/>
+    <dgm:txLinClrLst/>
+    <dgm:txFillClrLst meth="repeat">
+      <a:schemeClr val="tx1"/>
+    </dgm:txFillClrLst>
+    <dgm:txEffectClrLst/>
+  </dgm:styleLbl>
+  <dgm:styleLbl name="callout">
+    <dgm:fillClrLst meth="repeat">
+      <a:schemeClr val="accent2"/>
+    </dgm:fillClrLst>
+    <dgm:linClrLst meth="repeat">
+      <a:schemeClr val="accent2">
+        <a:tint val="50000"/>
+      </a:schemeClr>
+    </dgm:linClrLst>
+    <dgm:effectClrLst/>
+    <dgm:txLinClrLst/>
+    <dgm:txFillClrLst meth="repeat">
+      <a:schemeClr val="tx1"/>
+    </dgm:txFillClrLst>
+    <dgm:txEffectClrLst/>
+  </dgm:styleLbl>
+  <dgm:styleLbl name="asst0">
+    <dgm:fillClrLst meth="repeat">
+      <a:schemeClr val="accent2"/>
+    </dgm:fillClrLst>
+    <dgm:linClrLst meth="repeat">
+      <a:schemeClr val="lt1">
+        <a:shade val="80000"/>
+      </a:schemeClr>
+    </dgm:linClrLst>
+    <dgm:effectClrLst/>
+    <dgm:txLinClrLst/>
+    <dgm:txFillClrLst/>
+    <dgm:txEffectClrLst/>
+  </dgm:styleLbl>
+  <dgm:styleLbl name="asst1">
+    <dgm:fillClrLst meth="repeat">
+      <a:schemeClr val="accent3"/>
+    </dgm:fillClrLst>
+    <dgm:linClrLst meth="repeat">
+      <a:schemeClr val="lt1">
+        <a:shade val="80000"/>
+      </a:schemeClr>
+    </dgm:linClrLst>
+    <dgm:effectClrLst/>
+    <dgm:txLinClrLst/>
+    <dgm:txFillClrLst/>
+    <dgm:txEffectClrLst/>
+  </dgm:styleLbl>
+  <dgm:styleLbl name="asst2">
+    <dgm:fillClrLst>
+      <a:schemeClr val="accent4"/>
+    </dgm:fillClrLst>
+    <dgm:linClrLst meth="repeat">
+      <a:schemeClr val="lt1"/>
+    </dgm:linClrLst>
+    <dgm:effectClrLst/>
+    <dgm:txLinClrLst/>
+    <dgm:txFillClrLst/>
+    <dgm:txEffectClrLst/>
+  </dgm:styleLbl>
+  <dgm:styleLbl name="asst3">
+    <dgm:fillClrLst>
+      <a:schemeClr val="accent5"/>
+    </dgm:fillClrLst>
+    <dgm:linClrLst meth="repeat">
+      <a:schemeClr val="lt1"/>
+    </dgm:linClrLst>
+    <dgm:effectClrLst/>
+    <dgm:txLinClrLst/>
+    <dgm:txFillClrLst/>
+    <dgm:txEffectClrLst/>
+  </dgm:styleLbl>
+  <dgm:styleLbl name="asst4">
+    <dgm:fillClrLst>
+      <a:schemeClr val="accent6"/>
+    </dgm:fillClrLst>
+    <dgm:linClrLst meth="repeat">
+      <a:schemeClr val="lt1"/>
+    </dgm:linClrLst>
+    <dgm:effectClrLst/>
+    <dgm:txLinClrLst/>
+    <dgm:txFillClrLst/>
+    <dgm:txEffectClrLst/>
+  </dgm:styleLbl>
+  <dgm:styleLbl name="parChTrans2D1">
+    <dgm:fillClrLst meth="repeat">
+      <a:schemeClr val="accent2"/>
+    </dgm:fillClrLst>
+    <dgm:linClrLst meth="repeat">
+      <a:schemeClr val="lt1"/>
+    </dgm:linClrLst>
+    <dgm:effectClrLst/>
+    <dgm:txLinClrLst/>
+    <dgm:txFillClrLst meth="repeat">
+      <a:schemeClr val="lt1"/>
+    </dgm:txFillClrLst>
+    <dgm:txEffectClrLst/>
+  </dgm:styleLbl>
+  <dgm:styleLbl name="parChTrans2D2">
+    <dgm:fillClrLst meth="repeat">
+      <a:schemeClr val="accent3"/>
+    </dgm:fillClrLst>
+    <dgm:linClrLst meth="repeat">
+      <a:schemeClr val="lt1"/>
+    </dgm:linClrLst>
+    <dgm:effectClrLst/>
+    <dgm:txLinClrLst/>
+    <dgm:txFillClrLst/>
+    <dgm:txEffectClrLst/>
+  </dgm:styleLbl>
+  <dgm:styleLbl name="parChTrans2D3">
+    <dgm:fillClrLst meth="repeat">
+      <a:schemeClr val="accent4"/>
+    </dgm:fillClrLst>
+    <dgm:linClrLst meth="repeat">
+      <a:schemeClr val="lt1"/>
+    </dgm:linClrLst>
+    <dgm:effectClrLst/>
+    <dgm:txLinClrLst/>
+    <dgm:txFillClrLst/>
+    <dgm:txEffectClrLst/>
+  </dgm:styleLbl>
+  <dgm:styleLbl name="parChTrans2D4">
+    <dgm:fillClrLst meth="repeat">
+      <a:schemeClr val="accent5"/>
+    </dgm:fillClrLst>
+    <dgm:linClrLst meth="repeat">
+      <a:schemeClr val="lt1"/>
+    </dgm:linClrLst>
+    <dgm:effectClrLst/>
+    <dgm:txLinClrLst/>
+    <dgm:txFillClrLst meth="repeat">
+      <a:schemeClr val="lt1"/>
+    </dgm:txFillClrLst>
+    <dgm:txEffectClrLst/>
+  </dgm:styleLbl>
+  <dgm:styleLbl name="parChTrans1D1">
+    <dgm:fillClrLst meth="repeat">
+      <a:schemeClr val="accent2"/>
+    </dgm:fillClrLst>
+    <dgm:linClrLst meth="repeat">
+      <a:schemeClr val="accent2"/>
+    </dgm:linClrLst>
+    <dgm:effectClrLst/>
+    <dgm:txLinClrLst/>
+    <dgm:txFillClrLst meth="repeat">
+      <a:schemeClr val="tx1"/>
+    </dgm:txFillClrLst>
+    <dgm:txEffectClrLst/>
+  </dgm:styleLbl>
+  <dgm:styleLbl name="parChTrans1D2">
+    <dgm:fillClrLst meth="repeat">
+      <a:schemeClr val="accent2">
+        <a:tint val="90000"/>
+      </a:schemeClr>
+    </dgm:fillClrLst>
+    <dgm:linClrLst meth="repeat">
+      <a:schemeClr val="accent3"/>
+    </dgm:linClrLst>
+    <dgm:effectClrLst/>
+    <dgm:txLinClrLst/>
+    <dgm:txFillClrLst meth="repeat">
+      <a:schemeClr val="tx1"/>
+    </dgm:txFillClrLst>
+    <dgm:txEffectClrLst/>
+  </dgm:styleLbl>
+  <dgm:styleLbl name="parChTrans1D3">
+    <dgm:fillClrLst meth="repeat">
+      <a:schemeClr val="accent2">
+        <a:tint val="70000"/>
+      </a:schemeClr>
+    </dgm:fillClrLst>
+    <dgm:linClrLst meth="repeat">
+      <a:schemeClr val="accent4"/>
+    </dgm:linClrLst>
+    <dgm:effectClrLst/>
+    <dgm:txLinClrLst/>
+    <dgm:txFillClrLst meth="repeat">
+      <a:schemeClr val="tx1"/>
+    </dgm:txFillClrLst>
+    <dgm:txEffectClrLst/>
+  </dgm:styleLbl>
+  <dgm:styleLbl name="parChTrans1D4">
+    <dgm:fillClrLst meth="repeat">
+      <a:schemeClr val="accent2">
+        <a:tint val="50000"/>
+      </a:schemeClr>
+    </dgm:fillClrLst>
+    <dgm:linClrLst meth="repeat">
+      <a:schemeClr val="accent5"/>
+    </dgm:linClrLst>
+    <dgm:effectClrLst/>
+    <dgm:txLinClrLst/>
+    <dgm:txFillClrLst meth="repeat">
+      <a:schemeClr val="tx1"/>
+    </dgm:txFillClrLst>
+    <dgm:txEffectClrLst/>
+  </dgm:styleLbl>
+  <dgm:styleLbl name="fgAcc1">
+    <dgm:fillClrLst meth="repeat">
+      <a:schemeClr val="lt1">
+        <a:alpha val="90000"/>
+      </a:schemeClr>
+    </dgm:fillClrLst>
+    <dgm:linClrLst>
+      <a:schemeClr val="accent2"/>
+      <a:schemeClr val="accent3"/>
+    </dgm:linClrLst>
+    <dgm:effectClrLst/>
+    <dgm:txLinClrLst/>
+    <dgm:txFillClrLst meth="repeat">
+      <a:schemeClr val="dk1"/>
+    </dgm:txFillClrLst>
+    <dgm:txEffectClrLst/>
+  </dgm:styleLbl>
+  <dgm:styleLbl name="conFgAcc1">
+    <dgm:fillClrLst meth="repeat">
+      <a:schemeClr val="lt1">
+        <a:alpha val="90000"/>
+      </a:schemeClr>
+    </dgm:fillClrLst>
+    <dgm:linClrLst>
+      <a:schemeClr val="accent2"/>
+      <a:schemeClr val="accent3"/>
+    </dgm:linClrLst>
+    <dgm:effectClrLst/>
+    <dgm:txLinClrLst/>
+    <dgm:txFillClrLst meth="repeat">
+      <a:schemeClr val="dk1"/>
+    </dgm:txFillClrLst>
+    <dgm:txEffectClrLst/>
+  </dgm:styleLbl>
+  <dgm:styleLbl name="alignAcc1">
+    <dgm:fillClrLst meth="repeat">
+      <a:schemeClr val="lt1">
+        <a:alpha val="90000"/>
+      </a:schemeClr>
+    </dgm:fillClrLst>
+    <dgm:linClrLst>
+      <a:schemeClr val="accent2"/>
+      <a:schemeClr val="accent3"/>
+    </dgm:linClrLst>
+    <dgm:effectClrLst/>
+    <dgm:txLinClrLst/>
+    <dgm:txFillClrLst meth="repeat">
+      <a:schemeClr val="dk1"/>
+    </dgm:txFillClrLst>
+    <dgm:txEffectClrLst/>
+  </dgm:styleLbl>
+  <dgm:styleLbl name="trAlignAcc1">
+    <dgm:fillClrLst meth="repeat">
+      <a:schemeClr val="lt1">
+        <a:alpha val="40000"/>
+      </a:schemeClr>
+    </dgm:fillClrLst>
+    <dgm:linClrLst meth="repeat">
+      <a:schemeClr val="accent2"/>
+    </dgm:linClrLst>
+    <dgm:effectClrLst/>
+    <dgm:txLinClrLst/>
+    <dgm:txFillClrLst meth="repeat">
+      <a:schemeClr val="dk1"/>
+    </dgm:txFillClrLst>
+    <dgm:txEffectClrLst/>
+  </dgm:styleLbl>
+  <dgm:styleLbl name="bgAcc1">
+    <dgm:fillClrLst meth="repeat">
+      <a:schemeClr val="lt1">
+        <a:alpha val="90000"/>
+      </a:schemeClr>
+    </dgm:fillClrLst>
+    <dgm:linClrLst>
+      <a:schemeClr val="accent2"/>
+      <a:schemeClr val="accent3"/>
+    </dgm:linClrLst>
+    <dgm:effectClrLst/>
+    <dgm:txLinClrLst/>
+    <dgm:txFillClrLst meth="repeat">
+      <a:schemeClr val="dk1"/>
+    </dgm:txFillClrLst>
+    <dgm:txEffectClrLst/>
+  </dgm:styleLbl>
+  <dgm:styleLbl name="solidFgAcc1">
+    <dgm:fillClrLst meth="repeat">
+      <a:schemeClr val="lt1"/>
+    </dgm:fillClrLst>
+    <dgm:linClrLst>
+      <a:schemeClr val="accent2"/>
+      <a:schemeClr val="accent3"/>
+    </dgm:linClrLst>
+    <dgm:effectClrLst/>
+    <dgm:txLinClrLst/>
+    <dgm:txFillClrLst meth="repeat">
+      <a:schemeClr val="dk1"/>
+    </dgm:txFillClrLst>
+    <dgm:txEffectClrLst/>
+  </dgm:styleLbl>
+  <dgm:styleLbl name="solidAlignAcc1">
+    <dgm:fillClrLst meth="repeat">
+      <a:schemeClr val="lt1"/>
+    </dgm:fillClrLst>
+    <dgm:linClrLst>
+      <a:schemeClr val="accent2"/>
+      <a:schemeClr val="accent3"/>
+    </dgm:linClrLst>
+    <dgm:effectClrLst/>
+    <dgm:txLinClrLst/>
+    <dgm:txFillClrLst meth="repeat">
+      <a:schemeClr val="dk1"/>
+    </dgm:txFillClrLst>
+    <dgm:txEffectClrLst/>
+  </dgm:styleLbl>
+  <dgm:styleLbl name="solidBgAcc1">
+    <dgm:fillClrLst meth="repeat">
+      <a:schemeClr val="lt1"/>
+    </dgm:fillClrLst>
+    <dgm:linClrLst>
+      <a:schemeClr val="accent2"/>
+      <a:schemeClr val="accent3"/>
+    </dgm:linClrLst>
+    <dgm:effectClrLst/>
+    <dgm:txLinClrLst/>
+    <dgm:txFillClrLst meth="repeat">
+      <a:schemeClr val="dk1"/>
+    </dgm:txFillClrLst>
+    <dgm:txEffectClrLst/>
+  </dgm:styleLbl>
+  <dgm:styleLbl name="fgAccFollowNode1">
+    <dgm:fillClrLst>
+      <a:schemeClr val="accent2">
+        <a:tint val="40000"/>
+        <a:alpha val="90000"/>
+      </a:schemeClr>
+      <a:schemeClr val="accent3">
+        <a:tint val="40000"/>
+        <a:alpha val="90000"/>
+      </a:schemeClr>
+    </dgm:fillClrLst>
+    <dgm:linClrLst>
+      <a:schemeClr val="accent2">
+        <a:tint val="40000"/>
+        <a:alpha val="90000"/>
+      </a:schemeClr>
+      <a:schemeClr val="accent3">
+        <a:tint val="40000"/>
+        <a:alpha val="90000"/>
+      </a:schemeClr>
+    </dgm:linClrLst>
+    <dgm:effectClrLst/>
+    <dgm:txLinClrLst/>
+    <dgm:txFillClrLst meth="repeat">
+      <a:schemeClr val="dk1"/>
+    </dgm:txFillClrLst>
+    <dgm:txEffectClrLst/>
+  </dgm:styleLbl>
+  <dgm:styleLbl name="alignAccFollowNode1">
+    <dgm:fillClrLst>
+      <a:schemeClr val="accent2">
+        <a:tint val="40000"/>
+        <a:alpha val="90000"/>
+      </a:schemeClr>
+      <a:schemeClr val="accent3">
+        <a:tint val="40000"/>
+        <a:alpha val="90000"/>
+      </a:schemeClr>
+    </dgm:fillClrLst>
+    <dgm:linClrLst>
+      <a:schemeClr val="accent2">
+        <a:tint val="40000"/>
+        <a:alpha val="90000"/>
+      </a:schemeClr>
+      <a:schemeClr val="accent3">
+        <a:tint val="40000"/>
+        <a:alpha val="90000"/>
+      </a:schemeClr>
+    </dgm:linClrLst>
+    <dgm:effectClrLst/>
+    <dgm:txLinClrLst/>
+    <dgm:txFillClrLst meth="repeat">
+      <a:schemeClr val="dk1"/>
+    </dgm:txFillClrLst>
+    <dgm:txEffectClrLst/>
+  </dgm:styleLbl>
+  <dgm:styleLbl name="bgAccFollowNode1">
+    <dgm:fillClrLst>
+      <a:schemeClr val="accent2">
+        <a:tint val="40000"/>
+        <a:alpha val="90000"/>
+      </a:schemeClr>
+      <a:schemeClr val="accent3">
+        <a:tint val="40000"/>
+        <a:alpha val="90000"/>
+      </a:schemeClr>
+    </dgm:fillClrLst>
+    <dgm:linClrLst>
+      <a:schemeClr val="accent2">
+        <a:tint val="40000"/>
+        <a:alpha val="90000"/>
+      </a:schemeClr>
+      <a:schemeClr val="accent3">
+        <a:tint val="40000"/>
+        <a:alpha val="90000"/>
+      </a:schemeClr>
+    </dgm:linClrLst>
+    <dgm:effectClrLst/>
+    <dgm:txLinClrLst/>
+    <dgm:txFillClrLst meth="repeat">
+      <a:schemeClr val="dk1"/>
+    </dgm:txFillClrLst>
+    <dgm:txEffectClrLst/>
+  </dgm:styleLbl>
+  <dgm:styleLbl name="fgAcc0">
+    <dgm:fillClrLst meth="repeat">
+      <a:schemeClr val="lt1">
+        <a:alpha val="90000"/>
+      </a:schemeClr>
+    </dgm:fillClrLst>
+    <dgm:linClrLst>
+      <a:schemeClr val="accent1"/>
+    </dgm:linClrLst>
+    <dgm:effectClrLst/>
+    <dgm:txLinClrLst/>
+    <dgm:txFillClrLst meth="repeat">
+      <a:schemeClr val="dk1"/>
+    </dgm:txFillClrLst>
+    <dgm:txEffectClrLst/>
+  </dgm:styleLbl>
+  <dgm:styleLbl name="fgAcc2">
+    <dgm:fillClrLst meth="repeat">
+      <a:schemeClr val="lt1">
+        <a:alpha val="90000"/>
+      </a:schemeClr>
+    </dgm:fillClrLst>
+    <dgm:linClrLst>
+      <a:schemeClr val="accent3"/>
+    </dgm:linClrLst>
+    <dgm:effectClrLst/>
+    <dgm:txLinClrLst/>
+    <dgm:txFillClrLst meth="repeat">
+      <a:schemeClr val="dk1"/>
+    </dgm:txFillClrLst>
+    <dgm:txEffectClrLst/>
+  </dgm:styleLbl>
+  <dgm:styleLbl name="fgAcc3">
+    <dgm:fillClrLst meth="repeat">
+      <a:schemeClr val="lt1">
+        <a:alpha val="90000"/>
+      </a:schemeClr>
+    </dgm:fillClrLst>
+    <dgm:linClrLst>
+      <a:schemeClr val="accent4"/>
+    </dgm:linClrLst>
+    <dgm:effectClrLst/>
+    <dgm:txLinClrLst/>
+    <dgm:txFillClrLst meth="repeat">
+      <a:schemeClr val="dk1"/>
+    </dgm:txFillClrLst>
+    <dgm:txEffectClrLst/>
+  </dgm:styleLbl>
+  <dgm:styleLbl name="fgAcc4">
+    <dgm:fillClrLst meth="repeat">
+      <a:schemeClr val="lt1">
+        <a:alpha val="90000"/>
+      </a:schemeClr>
+    </dgm:fillClrLst>
+    <dgm:linClrLst>
+      <a:schemeClr val="accent5"/>
+    </dgm:linClrLst>
+    <dgm:effectClrLst/>
+    <dgm:txLinClrLst/>
+    <dgm:txFillClrLst meth="repeat">
+      <a:schemeClr val="dk1"/>
+    </dgm:txFillClrLst>
+    <dgm:txEffectClrLst/>
+  </dgm:styleLbl>
+  <dgm:styleLbl name="bgShp">
+    <dgm:fillClrLst meth="repeat">
+      <a:schemeClr val="accent2">
+        <a:tint val="40000"/>
+      </a:schemeClr>
+    </dgm:fillClrLst>
+    <dgm:linClrLst meth="repeat">
+      <a:schemeClr val="dk1"/>
+    </dgm:linClrLst>
+    <dgm:effectClrLst/>
+    <dgm:txLinClrLst/>
+    <dgm:txFillClrLst meth="repeat">
+      <a:schemeClr val="dk1"/>
+    </dgm:txFillClrLst>
+    <dgm:txEffectClrLst/>
+  </dgm:styleLbl>
+  <dgm:styleLbl name="dkBgShp">
+    <dgm:fillClrLst meth="repeat">
+      <a:schemeClr val="accent2">
+        <a:shade val="90000"/>
+      </a:schemeClr>
+    </dgm:fillClrLst>
+    <dgm:linClrLst meth="repeat">
+      <a:schemeClr val="dk1"/>
+    </dgm:linClrLst>
+    <dgm:effectClrLst/>
+    <dgm:txLinClrLst/>
+    <dgm:txFillClrLst meth="repeat">
+      <a:schemeClr val="lt1"/>
+    </dgm:txFillClrLst>
+    <dgm:txEffectClrLst/>
+  </dgm:styleLbl>
+  <dgm:styleLbl name="trBgShp">
+    <dgm:fillClrLst meth="repeat">
+      <a:schemeClr val="accent2">
+        <a:tint val="50000"/>
+        <a:alpha val="40000"/>
+      </a:schemeClr>
+    </dgm:fillClrLst>
+    <dgm:linClrLst meth="repeat">
+      <a:schemeClr val="accent2"/>
+    </dgm:linClrLst>
+    <dgm:effectClrLst/>
+    <dgm:txLinClrLst/>
+    <dgm:txFillClrLst meth="repeat">
+      <a:schemeClr val="lt1"/>
+    </dgm:txFillClrLst>
+    <dgm:txEffectClrLst/>
+  </dgm:styleLbl>
+  <dgm:styleLbl name="fgShp">
+    <dgm:fillClrLst meth="repeat">
+      <a:schemeClr val="accent2">
+        <a:tint val="40000"/>
+      </a:schemeClr>
+    </dgm:fillClrLst>
+    <dgm:linClrLst meth="repeat">
+      <a:schemeClr val="lt1"/>
+    </dgm:linClrLst>
+    <dgm:effectClrLst/>
+    <dgm:txLinClrLst/>
+    <dgm:txFillClrLst meth="repeat">
+      <a:schemeClr val="dk1"/>
+    </dgm:txFillClrLst>
+    <dgm:txEffectClrLst/>
+  </dgm:styleLbl>
+  <dgm:styleLbl name="revTx">
+    <dgm:fillClrLst meth="repeat">
+      <a:schemeClr val="lt1">
+        <a:alpha val="0"/>
+      </a:schemeClr>
+    </dgm:fillClrLst>
+    <dgm:linClrLst meth="repeat">
+      <a:schemeClr val="dk1">
+        <a:alpha val="0"/>
+      </a:schemeClr>
+    </dgm:linClrLst>
+    <dgm:effectClrLst/>
+    <dgm:txLinClrLst/>
+    <dgm:txFillClrLst meth="repeat">
+      <a:schemeClr val="tx1"/>
+    </dgm:txFillClrLst>
+    <dgm:txEffectClrLst/>
+  </dgm:styleLbl>
+</dgm:colorsDef>
+</file>
+
+<file path=ppt/diagrams/colors5.xml><?xml version="1.0" encoding="utf-8"?>
 <dgm:colorsDef xmlns:dgm="http://schemas.openxmlformats.org/drawingml/2006/diagram" xmlns:a="http://schemas.openxmlformats.org/drawingml/2006/main" uniqueId="urn:microsoft.com/office/officeart/2005/8/colors/colorful2">
   <dgm:title val=""/>
   <dgm:desc val=""/>
@@ -4972,6 +5761,312 @@
     <dgm:cxn modelId="{86755C10-A0F8-4D65-B273-0D44A88A5913}" type="presParOf" srcId="{345766F1-2F61-4FDE-8B69-0978D66FB5F2}" destId="{C9094C42-3FBA-4AB6-8F46-94BC966BB976}" srcOrd="4" destOrd="0" presId="urn:microsoft.com/office/officeart/2005/8/layout/vList2"/>
     <dgm:cxn modelId="{032FC35C-2E94-434D-AFCE-7F03DE453A75}" type="presParOf" srcId="{345766F1-2F61-4FDE-8B69-0978D66FB5F2}" destId="{36F18439-564F-499A-A798-4EE19FA202AF}" srcOrd="5" destOrd="0" presId="urn:microsoft.com/office/officeart/2005/8/layout/vList2"/>
     <dgm:cxn modelId="{4AE9B24A-12A6-473C-B4CE-24EBFE9032BE}" type="presParOf" srcId="{345766F1-2F61-4FDE-8B69-0978D66FB5F2}" destId="{991A6E3D-7AE7-42D4-BD2B-48682C9E8D4D}" srcOrd="6" destOrd="0" presId="urn:microsoft.com/office/officeart/2005/8/layout/vList2"/>
+  </dgm:cxnLst>
+  <dgm:bg/>
+  <dgm:whole/>
+  <dgm:extLst>
+    <a:ext uri="http://schemas.microsoft.com/office/drawing/2008/diagram">
+      <dsp:dataModelExt xmlns:dsp="http://schemas.microsoft.com/office/drawing/2008/diagram" relId="rId6" minVer="http://schemas.openxmlformats.org/drawingml/2006/diagram"/>
+    </a:ext>
+  </dgm:extLst>
+</dgm:dataModel>
+</file>
+
+<file path=ppt/diagrams/data5.xml><?xml version="1.0" encoding="utf-8"?>
+<dgm:dataModel xmlns:dgm="http://schemas.openxmlformats.org/drawingml/2006/diagram" xmlns:a="http://schemas.openxmlformats.org/drawingml/2006/main">
+  <dgm:ptLst>
+    <dgm:pt modelId="{FAFC95EF-01BD-4090-814C-DE20F04B41D1}" type="doc">
+      <dgm:prSet loTypeId="urn:microsoft.com/office/officeart/2005/8/layout/vList2" loCatId="list" qsTypeId="urn:microsoft.com/office/officeart/2005/8/quickstyle/simple1" qsCatId="simple" csTypeId="urn:microsoft.com/office/officeart/2005/8/colors/colorful2" csCatId="colorful"/>
+      <dgm:spPr/>
+      <dgm:t>
+        <a:bodyPr/>
+        <a:lstStyle/>
+        <a:p>
+          <a:endParaRPr lang="en-US"/>
+        </a:p>
+      </dgm:t>
+    </dgm:pt>
+    <dgm:pt modelId="{5FFCE0BB-8242-4B66-A028-43B7A7EE13D6}">
+      <dgm:prSet/>
+      <dgm:spPr/>
+      <dgm:t>
+        <a:bodyPr/>
+        <a:lstStyle/>
+        <a:p>
+          <a:r>
+            <a:rPr lang="ru-RU"/>
+            <a:t>УК может получить информацию о расходах по электроэнергии и потреблению воды по жилому дому, поделив фактическую информацию по счетчикам на среднее количество потребления электричества на одного человека, а затем просуммировав эти показатели, получить приближенные показания о количестве проживающих в доме исходя из их потребления ресурсов.</a:t>
+          </a:r>
+          <a:endParaRPr lang="en-US"/>
+        </a:p>
+      </dgm:t>
+    </dgm:pt>
+    <dgm:pt modelId="{79A1C283-3285-451B-8742-AB7D03280234}" type="parTrans" cxnId="{A8D66620-9BF4-4583-964B-A2301D6FBA16}">
+      <dgm:prSet/>
+      <dgm:spPr/>
+      <dgm:t>
+        <a:bodyPr/>
+        <a:lstStyle/>
+        <a:p>
+          <a:endParaRPr lang="en-US"/>
+        </a:p>
+      </dgm:t>
+    </dgm:pt>
+    <dgm:pt modelId="{A6C8CD33-F12C-464A-97A7-6C8F4E66920C}" type="sibTrans" cxnId="{A8D66620-9BF4-4583-964B-A2301D6FBA16}">
+      <dgm:prSet/>
+      <dgm:spPr/>
+      <dgm:t>
+        <a:bodyPr/>
+        <a:lstStyle/>
+        <a:p>
+          <a:endParaRPr lang="en-US"/>
+        </a:p>
+      </dgm:t>
+    </dgm:pt>
+    <dgm:pt modelId="{4E0CF91D-F6BC-4A0E-B4C9-C930AAC5166E}">
+      <dgm:prSet/>
+      <dgm:spPr/>
+      <dgm:t>
+        <a:bodyPr/>
+        <a:lstStyle/>
+        <a:p>
+          <a:r>
+            <a:rPr lang="ru-RU"/>
+            <a:t>Для получения данных по счетчикам каждого дома необходимо заключить договор с энергоснабжающей организацией на предоставление данных о потреблении электроэнергии</a:t>
+          </a:r>
+          <a:endParaRPr lang="en-US"/>
+        </a:p>
+      </dgm:t>
+    </dgm:pt>
+    <dgm:pt modelId="{483A7F09-5F86-433E-92DB-7D4484A5296E}" type="parTrans" cxnId="{C783B803-E10E-4B21-BDCC-1F7337450D45}">
+      <dgm:prSet/>
+      <dgm:spPr/>
+      <dgm:t>
+        <a:bodyPr/>
+        <a:lstStyle/>
+        <a:p>
+          <a:endParaRPr lang="en-US"/>
+        </a:p>
+      </dgm:t>
+    </dgm:pt>
+    <dgm:pt modelId="{E2D8E7CF-C7E6-40D0-86E4-A87D0A15893E}" type="sibTrans" cxnId="{C783B803-E10E-4B21-BDCC-1F7337450D45}">
+      <dgm:prSet/>
+      <dgm:spPr/>
+      <dgm:t>
+        <a:bodyPr/>
+        <a:lstStyle/>
+        <a:p>
+          <a:endParaRPr lang="en-US"/>
+        </a:p>
+      </dgm:t>
+    </dgm:pt>
+    <dgm:pt modelId="{DB09EB63-2322-45CF-ACBA-1A21B51F091D}">
+      <dgm:prSet/>
+      <dgm:spPr/>
+      <dgm:t>
+        <a:bodyPr/>
+        <a:lstStyle/>
+        <a:p>
+          <a:r>
+            <a:rPr lang="ru-RU"/>
+            <a:t>Короче ЖКХ.</a:t>
+          </a:r>
+          <a:endParaRPr lang="en-US"/>
+        </a:p>
+      </dgm:t>
+    </dgm:pt>
+    <dgm:pt modelId="{CC510012-586D-44E7-B0FD-D9C5FA6F7DE0}" type="parTrans" cxnId="{F03293D4-B2F7-4F9B-BCAE-9C3DE0BE67D3}">
+      <dgm:prSet/>
+      <dgm:spPr/>
+      <dgm:t>
+        <a:bodyPr/>
+        <a:lstStyle/>
+        <a:p>
+          <a:endParaRPr lang="en-US"/>
+        </a:p>
+      </dgm:t>
+    </dgm:pt>
+    <dgm:pt modelId="{EEDDE23C-DC27-4979-9327-546701BDB088}" type="sibTrans" cxnId="{F03293D4-B2F7-4F9B-BCAE-9C3DE0BE67D3}">
+      <dgm:prSet/>
+      <dgm:spPr/>
+      <dgm:t>
+        <a:bodyPr/>
+        <a:lstStyle/>
+        <a:p>
+          <a:endParaRPr lang="en-US"/>
+        </a:p>
+      </dgm:t>
+    </dgm:pt>
+    <dgm:pt modelId="{DE37E846-DAC3-429B-8165-3235214536CB}">
+      <dgm:prSet/>
+      <dgm:spPr/>
+      <dgm:t>
+        <a:bodyPr/>
+        <a:lstStyle/>
+        <a:p>
+          <a:r>
+            <a:rPr lang="ru-RU"/>
+            <a:t>Например, это показатели счетчика за месяц на одного человека. 7408,3-7289,5=118,8 это число надо множить на 5,56 исходя из тарифов Якутскэнерго. Итого, за месяц 1 человек платит 118,8*5,56=</a:t>
+          </a:r>
+          <a:r>
+            <a:rPr lang="ru-RU" b="1"/>
+            <a:t>660 рублей.</a:t>
+          </a:r>
+          <a:endParaRPr lang="en-US"/>
+        </a:p>
+      </dgm:t>
+    </dgm:pt>
+    <dgm:pt modelId="{62B7E5CB-3E24-41DE-871D-0FB96D37501A}" type="parTrans" cxnId="{0A3A3F16-2C1A-42C5-8FFE-5A609F5BD18D}">
+      <dgm:prSet/>
+      <dgm:spPr/>
+      <dgm:t>
+        <a:bodyPr/>
+        <a:lstStyle/>
+        <a:p>
+          <a:endParaRPr lang="en-US"/>
+        </a:p>
+      </dgm:t>
+    </dgm:pt>
+    <dgm:pt modelId="{F5ADFD6C-4699-45C9-BBA0-9077FF60AD70}" type="sibTrans" cxnId="{0A3A3F16-2C1A-42C5-8FFE-5A609F5BD18D}">
+      <dgm:prSet/>
+      <dgm:spPr/>
+      <dgm:t>
+        <a:bodyPr/>
+        <a:lstStyle/>
+        <a:p>
+          <a:endParaRPr lang="en-US"/>
+        </a:p>
+      </dgm:t>
+    </dgm:pt>
+    <dgm:pt modelId="{12F362A2-40CA-4BF2-B488-57E3F9B51D28}">
+      <dgm:prSet/>
+      <dgm:spPr/>
+      <dgm:t>
+        <a:bodyPr/>
+        <a:lstStyle/>
+        <a:p>
+          <a:r>
+            <a:rPr lang="ru-RU"/>
+            <a:t>Берем фактический расход электричества и делим на 660 рублей. Тогда, к примеру, на 1 квартиру потрачено электроэнергии на 2 640, то можно примерно предположить, что 2 640/600=4 человека в этой квартире. Затем, просуммировав количество людей по каждой квартире, можно получить фактическое количество и добавить в базу данных. Далее это можно использовать для вычислений выгоды, которую могла бы получить управляющая компания.</a:t>
+          </a:r>
+          <a:endParaRPr lang="en-US"/>
+        </a:p>
+      </dgm:t>
+    </dgm:pt>
+    <dgm:pt modelId="{5038D380-FF95-4BE7-8D9C-78E145E72BAF}" type="parTrans" cxnId="{E9CFB1EE-F72B-406C-8201-0C6F1FC79058}">
+      <dgm:prSet/>
+      <dgm:spPr/>
+      <dgm:t>
+        <a:bodyPr/>
+        <a:lstStyle/>
+        <a:p>
+          <a:endParaRPr lang="en-US"/>
+        </a:p>
+      </dgm:t>
+    </dgm:pt>
+    <dgm:pt modelId="{5F6AA01D-C7C1-4D25-9F19-FF98EF5AA7C2}" type="sibTrans" cxnId="{E9CFB1EE-F72B-406C-8201-0C6F1FC79058}">
+      <dgm:prSet/>
+      <dgm:spPr/>
+      <dgm:t>
+        <a:bodyPr/>
+        <a:lstStyle/>
+        <a:p>
+          <a:endParaRPr lang="en-US"/>
+        </a:p>
+      </dgm:t>
+    </dgm:pt>
+    <dgm:pt modelId="{BAD12383-1DCD-484E-8012-5C5D4545893E}" type="pres">
+      <dgm:prSet presAssocID="{FAFC95EF-01BD-4090-814C-DE20F04B41D1}" presName="linear" presStyleCnt="0">
+        <dgm:presLayoutVars>
+          <dgm:animLvl val="lvl"/>
+          <dgm:resizeHandles val="exact"/>
+        </dgm:presLayoutVars>
+      </dgm:prSet>
+      <dgm:spPr/>
+    </dgm:pt>
+    <dgm:pt modelId="{9ED7A5A5-672C-4E82-974B-9DC61AE6A832}" type="pres">
+      <dgm:prSet presAssocID="{5FFCE0BB-8242-4B66-A028-43B7A7EE13D6}" presName="parentText" presStyleLbl="node1" presStyleIdx="0" presStyleCnt="5">
+        <dgm:presLayoutVars>
+          <dgm:chMax val="0"/>
+          <dgm:bulletEnabled val="1"/>
+        </dgm:presLayoutVars>
+      </dgm:prSet>
+      <dgm:spPr/>
+    </dgm:pt>
+    <dgm:pt modelId="{3F8417CE-6A39-4A25-93DB-090EC2B01B37}" type="pres">
+      <dgm:prSet presAssocID="{A6C8CD33-F12C-464A-97A7-6C8F4E66920C}" presName="spacer" presStyleCnt="0"/>
+      <dgm:spPr/>
+    </dgm:pt>
+    <dgm:pt modelId="{D1D7686F-14EC-4804-A1D7-4BF8220B5FF6}" type="pres">
+      <dgm:prSet presAssocID="{4E0CF91D-F6BC-4A0E-B4C9-C930AAC5166E}" presName="parentText" presStyleLbl="node1" presStyleIdx="1" presStyleCnt="5">
+        <dgm:presLayoutVars>
+          <dgm:chMax val="0"/>
+          <dgm:bulletEnabled val="1"/>
+        </dgm:presLayoutVars>
+      </dgm:prSet>
+      <dgm:spPr/>
+    </dgm:pt>
+    <dgm:pt modelId="{3DD6CC44-6D66-4D51-BBB8-A1CD5A51960E}" type="pres">
+      <dgm:prSet presAssocID="{E2D8E7CF-C7E6-40D0-86E4-A87D0A15893E}" presName="spacer" presStyleCnt="0"/>
+      <dgm:spPr/>
+    </dgm:pt>
+    <dgm:pt modelId="{5EBB2637-1581-4A46-9D84-B89EB7A511DC}" type="pres">
+      <dgm:prSet presAssocID="{DB09EB63-2322-45CF-ACBA-1A21B51F091D}" presName="parentText" presStyleLbl="node1" presStyleIdx="2" presStyleCnt="5">
+        <dgm:presLayoutVars>
+          <dgm:chMax val="0"/>
+          <dgm:bulletEnabled val="1"/>
+        </dgm:presLayoutVars>
+      </dgm:prSet>
+      <dgm:spPr/>
+    </dgm:pt>
+    <dgm:pt modelId="{F7A7B17C-BA82-4DFA-A352-42693C82B8D1}" type="pres">
+      <dgm:prSet presAssocID="{EEDDE23C-DC27-4979-9327-546701BDB088}" presName="spacer" presStyleCnt="0"/>
+      <dgm:spPr/>
+    </dgm:pt>
+    <dgm:pt modelId="{AB31FD6B-EBBE-40F7-94DE-AD4355915A8F}" type="pres">
+      <dgm:prSet presAssocID="{DE37E846-DAC3-429B-8165-3235214536CB}" presName="parentText" presStyleLbl="node1" presStyleIdx="3" presStyleCnt="5">
+        <dgm:presLayoutVars>
+          <dgm:chMax val="0"/>
+          <dgm:bulletEnabled val="1"/>
+        </dgm:presLayoutVars>
+      </dgm:prSet>
+      <dgm:spPr/>
+    </dgm:pt>
+    <dgm:pt modelId="{9DADD499-AA38-4065-82F0-70A2059E2EF8}" type="pres">
+      <dgm:prSet presAssocID="{F5ADFD6C-4699-45C9-BBA0-9077FF60AD70}" presName="spacer" presStyleCnt="0"/>
+      <dgm:spPr/>
+    </dgm:pt>
+    <dgm:pt modelId="{66FAC52C-47EA-4AED-89EB-9CF385AB825C}" type="pres">
+      <dgm:prSet presAssocID="{12F362A2-40CA-4BF2-B488-57E3F9B51D28}" presName="parentText" presStyleLbl="node1" presStyleIdx="4" presStyleCnt="5">
+        <dgm:presLayoutVars>
+          <dgm:chMax val="0"/>
+          <dgm:bulletEnabled val="1"/>
+        </dgm:presLayoutVars>
+      </dgm:prSet>
+      <dgm:spPr/>
+    </dgm:pt>
+  </dgm:ptLst>
+  <dgm:cxnLst>
+    <dgm:cxn modelId="{C783B803-E10E-4B21-BDCC-1F7337450D45}" srcId="{FAFC95EF-01BD-4090-814C-DE20F04B41D1}" destId="{4E0CF91D-F6BC-4A0E-B4C9-C930AAC5166E}" srcOrd="1" destOrd="0" parTransId="{483A7F09-5F86-433E-92DB-7D4484A5296E}" sibTransId="{E2D8E7CF-C7E6-40D0-86E4-A87D0A15893E}"/>
+    <dgm:cxn modelId="{0A3A3F16-2C1A-42C5-8FFE-5A609F5BD18D}" srcId="{FAFC95EF-01BD-4090-814C-DE20F04B41D1}" destId="{DE37E846-DAC3-429B-8165-3235214536CB}" srcOrd="3" destOrd="0" parTransId="{62B7E5CB-3E24-41DE-871D-0FB96D37501A}" sibTransId="{F5ADFD6C-4699-45C9-BBA0-9077FF60AD70}"/>
+    <dgm:cxn modelId="{A8D66620-9BF4-4583-964B-A2301D6FBA16}" srcId="{FAFC95EF-01BD-4090-814C-DE20F04B41D1}" destId="{5FFCE0BB-8242-4B66-A028-43B7A7EE13D6}" srcOrd="0" destOrd="0" parTransId="{79A1C283-3285-451B-8742-AB7D03280234}" sibTransId="{A6C8CD33-F12C-464A-97A7-6C8F4E66920C}"/>
+    <dgm:cxn modelId="{2A97E46C-AA66-4719-9996-C9ECEB7C0E1A}" type="presOf" srcId="{5FFCE0BB-8242-4B66-A028-43B7A7EE13D6}" destId="{9ED7A5A5-672C-4E82-974B-9DC61AE6A832}" srcOrd="0" destOrd="0" presId="urn:microsoft.com/office/officeart/2005/8/layout/vList2"/>
+    <dgm:cxn modelId="{1CF96170-4E90-4619-961B-89298B4DE756}" type="presOf" srcId="{12F362A2-40CA-4BF2-B488-57E3F9B51D28}" destId="{66FAC52C-47EA-4AED-89EB-9CF385AB825C}" srcOrd="0" destOrd="0" presId="urn:microsoft.com/office/officeart/2005/8/layout/vList2"/>
+    <dgm:cxn modelId="{1E179857-2F07-498A-A659-20AD9D666D4F}" type="presOf" srcId="{4E0CF91D-F6BC-4A0E-B4C9-C930AAC5166E}" destId="{D1D7686F-14EC-4804-A1D7-4BF8220B5FF6}" srcOrd="0" destOrd="0" presId="urn:microsoft.com/office/officeart/2005/8/layout/vList2"/>
+    <dgm:cxn modelId="{719D968C-519B-46CA-A0F4-F787386A1B05}" type="presOf" srcId="{DE37E846-DAC3-429B-8165-3235214536CB}" destId="{AB31FD6B-EBBE-40F7-94DE-AD4355915A8F}" srcOrd="0" destOrd="0" presId="urn:microsoft.com/office/officeart/2005/8/layout/vList2"/>
+    <dgm:cxn modelId="{E9C5F5BB-5958-4969-875F-777DA3358530}" type="presOf" srcId="{DB09EB63-2322-45CF-ACBA-1A21B51F091D}" destId="{5EBB2637-1581-4A46-9D84-B89EB7A511DC}" srcOrd="0" destOrd="0" presId="urn:microsoft.com/office/officeart/2005/8/layout/vList2"/>
+    <dgm:cxn modelId="{F03293D4-B2F7-4F9B-BCAE-9C3DE0BE67D3}" srcId="{FAFC95EF-01BD-4090-814C-DE20F04B41D1}" destId="{DB09EB63-2322-45CF-ACBA-1A21B51F091D}" srcOrd="2" destOrd="0" parTransId="{CC510012-586D-44E7-B0FD-D9C5FA6F7DE0}" sibTransId="{EEDDE23C-DC27-4979-9327-546701BDB088}"/>
+    <dgm:cxn modelId="{E9CFB1EE-F72B-406C-8201-0C6F1FC79058}" srcId="{FAFC95EF-01BD-4090-814C-DE20F04B41D1}" destId="{12F362A2-40CA-4BF2-B488-57E3F9B51D28}" srcOrd="4" destOrd="0" parTransId="{5038D380-FF95-4BE7-8D9C-78E145E72BAF}" sibTransId="{5F6AA01D-C7C1-4D25-9F19-FF98EF5AA7C2}"/>
+    <dgm:cxn modelId="{6F292CF0-16DE-423C-9528-DD06FF2259D8}" type="presOf" srcId="{FAFC95EF-01BD-4090-814C-DE20F04B41D1}" destId="{BAD12383-1DCD-484E-8012-5C5D4545893E}" srcOrd="0" destOrd="0" presId="urn:microsoft.com/office/officeart/2005/8/layout/vList2"/>
+    <dgm:cxn modelId="{8F2B3BF3-545B-4CB1-87D8-248F07F9BA88}" type="presParOf" srcId="{BAD12383-1DCD-484E-8012-5C5D4545893E}" destId="{9ED7A5A5-672C-4E82-974B-9DC61AE6A832}" srcOrd="0" destOrd="0" presId="urn:microsoft.com/office/officeart/2005/8/layout/vList2"/>
+    <dgm:cxn modelId="{EB25CB31-7CEA-475D-A2CB-6AF7695D8078}" type="presParOf" srcId="{BAD12383-1DCD-484E-8012-5C5D4545893E}" destId="{3F8417CE-6A39-4A25-93DB-090EC2B01B37}" srcOrd="1" destOrd="0" presId="urn:microsoft.com/office/officeart/2005/8/layout/vList2"/>
+    <dgm:cxn modelId="{714785C5-C12F-4B23-BCD6-180F0ADBC840}" type="presParOf" srcId="{BAD12383-1DCD-484E-8012-5C5D4545893E}" destId="{D1D7686F-14EC-4804-A1D7-4BF8220B5FF6}" srcOrd="2" destOrd="0" presId="urn:microsoft.com/office/officeart/2005/8/layout/vList2"/>
+    <dgm:cxn modelId="{391BAEBD-BF04-4012-8670-D03A7FD73A6E}" type="presParOf" srcId="{BAD12383-1DCD-484E-8012-5C5D4545893E}" destId="{3DD6CC44-6D66-4D51-BBB8-A1CD5A51960E}" srcOrd="3" destOrd="0" presId="urn:microsoft.com/office/officeart/2005/8/layout/vList2"/>
+    <dgm:cxn modelId="{C697008F-6AB2-401A-B3CD-8A7E837D38B4}" type="presParOf" srcId="{BAD12383-1DCD-484E-8012-5C5D4545893E}" destId="{5EBB2637-1581-4A46-9D84-B89EB7A511DC}" srcOrd="4" destOrd="0" presId="urn:microsoft.com/office/officeart/2005/8/layout/vList2"/>
+    <dgm:cxn modelId="{0985D9B4-FF3C-45FD-BE63-DF5A96834116}" type="presParOf" srcId="{BAD12383-1DCD-484E-8012-5C5D4545893E}" destId="{F7A7B17C-BA82-4DFA-A352-42693C82B8D1}" srcOrd="5" destOrd="0" presId="urn:microsoft.com/office/officeart/2005/8/layout/vList2"/>
+    <dgm:cxn modelId="{43AC61B2-F71F-471A-92AA-86CDC4E61FE9}" type="presParOf" srcId="{BAD12383-1DCD-484E-8012-5C5D4545893E}" destId="{AB31FD6B-EBBE-40F7-94DE-AD4355915A8F}" srcOrd="6" destOrd="0" presId="urn:microsoft.com/office/officeart/2005/8/layout/vList2"/>
+    <dgm:cxn modelId="{0CED5317-B1DF-445E-8A9F-5179AA71A9C5}" type="presParOf" srcId="{BAD12383-1DCD-484E-8012-5C5D4545893E}" destId="{9DADD499-AA38-4065-82F0-70A2059E2EF8}" srcOrd="7" destOrd="0" presId="urn:microsoft.com/office/officeart/2005/8/layout/vList2"/>
+    <dgm:cxn modelId="{E1C83743-EF07-4B96-B6D5-87F7D35456A4}" type="presParOf" srcId="{BAD12383-1DCD-484E-8012-5C5D4545893E}" destId="{66FAC52C-47EA-4AED-89EB-9CF385AB825C}" srcOrd="8" destOrd="0" presId="urn:microsoft.com/office/officeart/2005/8/layout/vList2"/>
   </dgm:cxnLst>
   <dgm:bg/>
   <dgm:whole/>
@@ -6741,6 +7836,417 @@
 </dsp:drawing>
 </file>
 
+<file path=ppt/diagrams/drawing5.xml><?xml version="1.0" encoding="utf-8"?>
+<dsp:drawing xmlns:dgm="http://schemas.openxmlformats.org/drawingml/2006/diagram" xmlns:dsp="http://schemas.microsoft.com/office/drawing/2008/diagram" xmlns:a="http://schemas.openxmlformats.org/drawingml/2006/main">
+  <dsp:spTree>
+    <dsp:nvGrpSpPr>
+      <dsp:cNvPr id="0" name=""/>
+      <dsp:cNvGrpSpPr/>
+    </dsp:nvGrpSpPr>
+    <dsp:grpSpPr/>
+    <dsp:sp modelId="{9ED7A5A5-672C-4E82-974B-9DC61AE6A832}">
+      <dsp:nvSpPr>
+        <dsp:cNvPr id="0" name=""/>
+        <dsp:cNvSpPr/>
+      </dsp:nvSpPr>
+      <dsp:spPr>
+        <a:xfrm>
+          <a:off x="0" y="377582"/>
+          <a:ext cx="10927829" cy="659879"/>
+        </a:xfrm>
+        <a:prstGeom prst="roundRect">
+          <a:avLst/>
+        </a:prstGeom>
+        <a:solidFill>
+          <a:schemeClr val="accent2">
+            <a:hueOff val="0"/>
+            <a:satOff val="0"/>
+            <a:lumOff val="0"/>
+            <a:alphaOff val="0"/>
+          </a:schemeClr>
+        </a:solidFill>
+        <a:ln w="12700" cap="flat" cmpd="sng" algn="ctr">
+          <a:solidFill>
+            <a:schemeClr val="lt1">
+              <a:hueOff val="0"/>
+              <a:satOff val="0"/>
+              <a:lumOff val="0"/>
+              <a:alphaOff val="0"/>
+            </a:schemeClr>
+          </a:solidFill>
+          <a:prstDash val="solid"/>
+          <a:miter lim="800000"/>
+        </a:ln>
+        <a:effectLst/>
+      </dsp:spPr>
+      <dsp:style>
+        <a:lnRef idx="2">
+          <a:scrgbClr r="0" g="0" b="0"/>
+        </a:lnRef>
+        <a:fillRef idx="1">
+          <a:scrgbClr r="0" g="0" b="0"/>
+        </a:fillRef>
+        <a:effectRef idx="0">
+          <a:scrgbClr r="0" g="0" b="0"/>
+        </a:effectRef>
+        <a:fontRef idx="minor">
+          <a:schemeClr val="lt1"/>
+        </a:fontRef>
+      </dsp:style>
+      <dsp:txBody>
+        <a:bodyPr spcFirstLastPara="0" vert="horz" wrap="square" lIns="45720" tIns="45720" rIns="45720" bIns="45720" numCol="1" spcCol="1270" anchor="ctr" anchorCtr="0">
+          <a:noAutofit/>
+        </a:bodyPr>
+        <a:lstStyle/>
+        <a:p>
+          <a:pPr marL="0" lvl="0" indent="0" algn="l" defTabSz="533400">
+            <a:lnSpc>
+              <a:spcPct val="90000"/>
+            </a:lnSpc>
+            <a:spcBef>
+              <a:spcPct val="0"/>
+            </a:spcBef>
+            <a:spcAft>
+              <a:spcPct val="35000"/>
+            </a:spcAft>
+            <a:buNone/>
+          </a:pPr>
+          <a:r>
+            <a:rPr lang="ru-RU" sz="1200" kern="1200"/>
+            <a:t>УК может получить информацию о расходах по электроэнергии и потреблению воды по жилому дому, поделив фактическую информацию по счетчикам на среднее количество потребления электричества на одного человека, а затем просуммировав эти показатели, получить приближенные показания о количестве проживающих в доме исходя из их потребления ресурсов.</a:t>
+          </a:r>
+          <a:endParaRPr lang="en-US" sz="1200" kern="1200"/>
+        </a:p>
+      </dsp:txBody>
+      <dsp:txXfrm>
+        <a:off x="32213" y="409795"/>
+        <a:ext cx="10863403" cy="595453"/>
+      </dsp:txXfrm>
+    </dsp:sp>
+    <dsp:sp modelId="{D1D7686F-14EC-4804-A1D7-4BF8220B5FF6}">
+      <dsp:nvSpPr>
+        <dsp:cNvPr id="0" name=""/>
+        <dsp:cNvSpPr/>
+      </dsp:nvSpPr>
+      <dsp:spPr>
+        <a:xfrm>
+          <a:off x="0" y="1072022"/>
+          <a:ext cx="10927829" cy="659879"/>
+        </a:xfrm>
+        <a:prstGeom prst="roundRect">
+          <a:avLst/>
+        </a:prstGeom>
+        <a:solidFill>
+          <a:schemeClr val="accent2">
+            <a:hueOff val="-363841"/>
+            <a:satOff val="-20982"/>
+            <a:lumOff val="2157"/>
+            <a:alphaOff val="0"/>
+          </a:schemeClr>
+        </a:solidFill>
+        <a:ln w="12700" cap="flat" cmpd="sng" algn="ctr">
+          <a:solidFill>
+            <a:schemeClr val="lt1">
+              <a:hueOff val="0"/>
+              <a:satOff val="0"/>
+              <a:lumOff val="0"/>
+              <a:alphaOff val="0"/>
+            </a:schemeClr>
+          </a:solidFill>
+          <a:prstDash val="solid"/>
+          <a:miter lim="800000"/>
+        </a:ln>
+        <a:effectLst/>
+      </dsp:spPr>
+      <dsp:style>
+        <a:lnRef idx="2">
+          <a:scrgbClr r="0" g="0" b="0"/>
+        </a:lnRef>
+        <a:fillRef idx="1">
+          <a:scrgbClr r="0" g="0" b="0"/>
+        </a:fillRef>
+        <a:effectRef idx="0">
+          <a:scrgbClr r="0" g="0" b="0"/>
+        </a:effectRef>
+        <a:fontRef idx="minor">
+          <a:schemeClr val="lt1"/>
+        </a:fontRef>
+      </dsp:style>
+      <dsp:txBody>
+        <a:bodyPr spcFirstLastPara="0" vert="horz" wrap="square" lIns="45720" tIns="45720" rIns="45720" bIns="45720" numCol="1" spcCol="1270" anchor="ctr" anchorCtr="0">
+          <a:noAutofit/>
+        </a:bodyPr>
+        <a:lstStyle/>
+        <a:p>
+          <a:pPr marL="0" lvl="0" indent="0" algn="l" defTabSz="533400">
+            <a:lnSpc>
+              <a:spcPct val="90000"/>
+            </a:lnSpc>
+            <a:spcBef>
+              <a:spcPct val="0"/>
+            </a:spcBef>
+            <a:spcAft>
+              <a:spcPct val="35000"/>
+            </a:spcAft>
+            <a:buNone/>
+          </a:pPr>
+          <a:r>
+            <a:rPr lang="ru-RU" sz="1200" kern="1200"/>
+            <a:t>Для получения данных по счетчикам каждого дома необходимо заключить договор с энергоснабжающей организацией на предоставление данных о потреблении электроэнергии</a:t>
+          </a:r>
+          <a:endParaRPr lang="en-US" sz="1200" kern="1200"/>
+        </a:p>
+      </dsp:txBody>
+      <dsp:txXfrm>
+        <a:off x="32213" y="1104235"/>
+        <a:ext cx="10863403" cy="595453"/>
+      </dsp:txXfrm>
+    </dsp:sp>
+    <dsp:sp modelId="{5EBB2637-1581-4A46-9D84-B89EB7A511DC}">
+      <dsp:nvSpPr>
+        <dsp:cNvPr id="0" name=""/>
+        <dsp:cNvSpPr/>
+      </dsp:nvSpPr>
+      <dsp:spPr>
+        <a:xfrm>
+          <a:off x="0" y="1766462"/>
+          <a:ext cx="10927829" cy="659879"/>
+        </a:xfrm>
+        <a:prstGeom prst="roundRect">
+          <a:avLst/>
+        </a:prstGeom>
+        <a:solidFill>
+          <a:schemeClr val="accent2">
+            <a:hueOff val="-727682"/>
+            <a:satOff val="-41964"/>
+            <a:lumOff val="4314"/>
+            <a:alphaOff val="0"/>
+          </a:schemeClr>
+        </a:solidFill>
+        <a:ln w="12700" cap="flat" cmpd="sng" algn="ctr">
+          <a:solidFill>
+            <a:schemeClr val="lt1">
+              <a:hueOff val="0"/>
+              <a:satOff val="0"/>
+              <a:lumOff val="0"/>
+              <a:alphaOff val="0"/>
+            </a:schemeClr>
+          </a:solidFill>
+          <a:prstDash val="solid"/>
+          <a:miter lim="800000"/>
+        </a:ln>
+        <a:effectLst/>
+      </dsp:spPr>
+      <dsp:style>
+        <a:lnRef idx="2">
+          <a:scrgbClr r="0" g="0" b="0"/>
+        </a:lnRef>
+        <a:fillRef idx="1">
+          <a:scrgbClr r="0" g="0" b="0"/>
+        </a:fillRef>
+        <a:effectRef idx="0">
+          <a:scrgbClr r="0" g="0" b="0"/>
+        </a:effectRef>
+        <a:fontRef idx="minor">
+          <a:schemeClr val="lt1"/>
+        </a:fontRef>
+      </dsp:style>
+      <dsp:txBody>
+        <a:bodyPr spcFirstLastPara="0" vert="horz" wrap="square" lIns="45720" tIns="45720" rIns="45720" bIns="45720" numCol="1" spcCol="1270" anchor="ctr" anchorCtr="0">
+          <a:noAutofit/>
+        </a:bodyPr>
+        <a:lstStyle/>
+        <a:p>
+          <a:pPr marL="0" lvl="0" indent="0" algn="l" defTabSz="533400">
+            <a:lnSpc>
+              <a:spcPct val="90000"/>
+            </a:lnSpc>
+            <a:spcBef>
+              <a:spcPct val="0"/>
+            </a:spcBef>
+            <a:spcAft>
+              <a:spcPct val="35000"/>
+            </a:spcAft>
+            <a:buNone/>
+          </a:pPr>
+          <a:r>
+            <a:rPr lang="ru-RU" sz="1200" kern="1200"/>
+            <a:t>Короче ЖКХ.</a:t>
+          </a:r>
+          <a:endParaRPr lang="en-US" sz="1200" kern="1200"/>
+        </a:p>
+      </dsp:txBody>
+      <dsp:txXfrm>
+        <a:off x="32213" y="1798675"/>
+        <a:ext cx="10863403" cy="595453"/>
+      </dsp:txXfrm>
+    </dsp:sp>
+    <dsp:sp modelId="{AB31FD6B-EBBE-40F7-94DE-AD4355915A8F}">
+      <dsp:nvSpPr>
+        <dsp:cNvPr id="0" name=""/>
+        <dsp:cNvSpPr/>
+      </dsp:nvSpPr>
+      <dsp:spPr>
+        <a:xfrm>
+          <a:off x="0" y="2460902"/>
+          <a:ext cx="10927829" cy="659879"/>
+        </a:xfrm>
+        <a:prstGeom prst="roundRect">
+          <a:avLst/>
+        </a:prstGeom>
+        <a:solidFill>
+          <a:schemeClr val="accent2">
+            <a:hueOff val="-1091522"/>
+            <a:satOff val="-62946"/>
+            <a:lumOff val="6471"/>
+            <a:alphaOff val="0"/>
+          </a:schemeClr>
+        </a:solidFill>
+        <a:ln w="12700" cap="flat" cmpd="sng" algn="ctr">
+          <a:solidFill>
+            <a:schemeClr val="lt1">
+              <a:hueOff val="0"/>
+              <a:satOff val="0"/>
+              <a:lumOff val="0"/>
+              <a:alphaOff val="0"/>
+            </a:schemeClr>
+          </a:solidFill>
+          <a:prstDash val="solid"/>
+          <a:miter lim="800000"/>
+        </a:ln>
+        <a:effectLst/>
+      </dsp:spPr>
+      <dsp:style>
+        <a:lnRef idx="2">
+          <a:scrgbClr r="0" g="0" b="0"/>
+        </a:lnRef>
+        <a:fillRef idx="1">
+          <a:scrgbClr r="0" g="0" b="0"/>
+        </a:fillRef>
+        <a:effectRef idx="0">
+          <a:scrgbClr r="0" g="0" b="0"/>
+        </a:effectRef>
+        <a:fontRef idx="minor">
+          <a:schemeClr val="lt1"/>
+        </a:fontRef>
+      </dsp:style>
+      <dsp:txBody>
+        <a:bodyPr spcFirstLastPara="0" vert="horz" wrap="square" lIns="45720" tIns="45720" rIns="45720" bIns="45720" numCol="1" spcCol="1270" anchor="ctr" anchorCtr="0">
+          <a:noAutofit/>
+        </a:bodyPr>
+        <a:lstStyle/>
+        <a:p>
+          <a:pPr marL="0" lvl="0" indent="0" algn="l" defTabSz="533400">
+            <a:lnSpc>
+              <a:spcPct val="90000"/>
+            </a:lnSpc>
+            <a:spcBef>
+              <a:spcPct val="0"/>
+            </a:spcBef>
+            <a:spcAft>
+              <a:spcPct val="35000"/>
+            </a:spcAft>
+            <a:buNone/>
+          </a:pPr>
+          <a:r>
+            <a:rPr lang="ru-RU" sz="1200" kern="1200"/>
+            <a:t>Например, это показатели счетчика за месяц на одного человека. 7408,3-7289,5=118,8 это число надо множить на 5,56 исходя из тарифов Якутскэнерго. Итого, за месяц 1 человек платит 118,8*5,56=</a:t>
+          </a:r>
+          <a:r>
+            <a:rPr lang="ru-RU" sz="1200" b="1" kern="1200"/>
+            <a:t>660 рублей.</a:t>
+          </a:r>
+          <a:endParaRPr lang="en-US" sz="1200" kern="1200"/>
+        </a:p>
+      </dsp:txBody>
+      <dsp:txXfrm>
+        <a:off x="32213" y="2493115"/>
+        <a:ext cx="10863403" cy="595453"/>
+      </dsp:txXfrm>
+    </dsp:sp>
+    <dsp:sp modelId="{66FAC52C-47EA-4AED-89EB-9CF385AB825C}">
+      <dsp:nvSpPr>
+        <dsp:cNvPr id="0" name=""/>
+        <dsp:cNvSpPr/>
+      </dsp:nvSpPr>
+      <dsp:spPr>
+        <a:xfrm>
+          <a:off x="0" y="3155342"/>
+          <a:ext cx="10927829" cy="659879"/>
+        </a:xfrm>
+        <a:prstGeom prst="roundRect">
+          <a:avLst/>
+        </a:prstGeom>
+        <a:solidFill>
+          <a:schemeClr val="accent2">
+            <a:hueOff val="-1455363"/>
+            <a:satOff val="-83928"/>
+            <a:lumOff val="8628"/>
+            <a:alphaOff val="0"/>
+          </a:schemeClr>
+        </a:solidFill>
+        <a:ln w="12700" cap="flat" cmpd="sng" algn="ctr">
+          <a:solidFill>
+            <a:schemeClr val="lt1">
+              <a:hueOff val="0"/>
+              <a:satOff val="0"/>
+              <a:lumOff val="0"/>
+              <a:alphaOff val="0"/>
+            </a:schemeClr>
+          </a:solidFill>
+          <a:prstDash val="solid"/>
+          <a:miter lim="800000"/>
+        </a:ln>
+        <a:effectLst/>
+      </dsp:spPr>
+      <dsp:style>
+        <a:lnRef idx="2">
+          <a:scrgbClr r="0" g="0" b="0"/>
+        </a:lnRef>
+        <a:fillRef idx="1">
+          <a:scrgbClr r="0" g="0" b="0"/>
+        </a:fillRef>
+        <a:effectRef idx="0">
+          <a:scrgbClr r="0" g="0" b="0"/>
+        </a:effectRef>
+        <a:fontRef idx="minor">
+          <a:schemeClr val="lt1"/>
+        </a:fontRef>
+      </dsp:style>
+      <dsp:txBody>
+        <a:bodyPr spcFirstLastPara="0" vert="horz" wrap="square" lIns="45720" tIns="45720" rIns="45720" bIns="45720" numCol="1" spcCol="1270" anchor="ctr" anchorCtr="0">
+          <a:noAutofit/>
+        </a:bodyPr>
+        <a:lstStyle/>
+        <a:p>
+          <a:pPr marL="0" lvl="0" indent="0" algn="l" defTabSz="533400">
+            <a:lnSpc>
+              <a:spcPct val="90000"/>
+            </a:lnSpc>
+            <a:spcBef>
+              <a:spcPct val="0"/>
+            </a:spcBef>
+            <a:spcAft>
+              <a:spcPct val="35000"/>
+            </a:spcAft>
+            <a:buNone/>
+          </a:pPr>
+          <a:r>
+            <a:rPr lang="ru-RU" sz="1200" kern="1200"/>
+            <a:t>Берем фактический расход электричества и делим на 660 рублей. Тогда, к примеру, на 1 квартиру потрачено электроэнергии на 2 640, то можно примерно предположить, что 2 640/600=4 человека в этой квартире. Затем, просуммировав количество людей по каждой квартире, можно получить фактическое количество и добавить в базу данных. Далее это можно использовать для вычислений выгоды, которую могла бы получить управляющая компания.</a:t>
+          </a:r>
+          <a:endParaRPr lang="en-US" sz="1200" kern="1200"/>
+        </a:p>
+      </dsp:txBody>
+      <dsp:txXfrm>
+        <a:off x="32213" y="3187555"/>
+        <a:ext cx="10863403" cy="595453"/>
+      </dsp:txXfrm>
+    </dsp:sp>
+  </dsp:spTree>
+</dsp:drawing>
+</file>
+
 <file path=ppt/diagrams/layout1.xml><?xml version="1.0" encoding="utf-8"?>
 <dgm:layoutDef xmlns:dgm="http://schemas.openxmlformats.org/drawingml/2006/diagram" xmlns:a="http://schemas.openxmlformats.org/drawingml/2006/main" uniqueId="urn:microsoft.com/office/officeart/2018/5/layout/IconCircleLabelList">
   <dgm:title val="Icon Circle Label List"/>
@@ -7571,6 +9077,173 @@
 </dgm:layoutDef>
 </file>
 
+<file path=ppt/diagrams/layout5.xml><?xml version="1.0" encoding="utf-8"?>
+<dgm:layoutDef xmlns:dgm="http://schemas.openxmlformats.org/drawingml/2006/diagram" xmlns:a="http://schemas.openxmlformats.org/drawingml/2006/main" uniqueId="urn:microsoft.com/office/officeart/2005/8/layout/vList2">
+  <dgm:title val=""/>
+  <dgm:desc val=""/>
+  <dgm:catLst>
+    <dgm:cat type="list" pri="3000"/>
+    <dgm:cat type="convert" pri="1000"/>
+  </dgm:catLst>
+  <dgm:sampData>
+    <dgm:dataModel>
+      <dgm:ptLst>
+        <dgm:pt modelId="0" type="doc"/>
+        <dgm:pt modelId="1">
+          <dgm:prSet phldr="1"/>
+        </dgm:pt>
+        <dgm:pt modelId="11">
+          <dgm:prSet phldr="1"/>
+        </dgm:pt>
+        <dgm:pt modelId="2">
+          <dgm:prSet phldr="1"/>
+        </dgm:pt>
+        <dgm:pt modelId="21">
+          <dgm:prSet phldr="1"/>
+        </dgm:pt>
+      </dgm:ptLst>
+      <dgm:cxnLst>
+        <dgm:cxn modelId="4" srcId="0" destId="1" srcOrd="0" destOrd="0"/>
+        <dgm:cxn modelId="5" srcId="0" destId="2" srcOrd="1" destOrd="0"/>
+        <dgm:cxn modelId="12" srcId="1" destId="11" srcOrd="0" destOrd="0"/>
+        <dgm:cxn modelId="23" srcId="2" destId="21" srcOrd="0" destOrd="0"/>
+      </dgm:cxnLst>
+      <dgm:bg/>
+      <dgm:whole/>
+    </dgm:dataModel>
+  </dgm:sampData>
+  <dgm:styleData>
+    <dgm:dataModel>
+      <dgm:ptLst>
+        <dgm:pt modelId="0" type="doc"/>
+        <dgm:pt modelId="1"/>
+        <dgm:pt modelId="2"/>
+      </dgm:ptLst>
+      <dgm:cxnLst>
+        <dgm:cxn modelId="3" srcId="0" destId="1" srcOrd="0" destOrd="0"/>
+        <dgm:cxn modelId="4" srcId="0" destId="2" srcOrd="1" destOrd="0"/>
+      </dgm:cxnLst>
+      <dgm:bg/>
+      <dgm:whole/>
+    </dgm:dataModel>
+  </dgm:styleData>
+  <dgm:clrData>
+    <dgm:dataModel>
+      <dgm:ptLst>
+        <dgm:pt modelId="0" type="doc"/>
+        <dgm:pt modelId="1"/>
+        <dgm:pt modelId="2"/>
+        <dgm:pt modelId="3"/>
+        <dgm:pt modelId="4"/>
+      </dgm:ptLst>
+      <dgm:cxnLst>
+        <dgm:cxn modelId="5" srcId="0" destId="1" srcOrd="0" destOrd="0"/>
+        <dgm:cxn modelId="6" srcId="0" destId="2" srcOrd="1" destOrd="0"/>
+        <dgm:cxn modelId="7" srcId="0" destId="3" srcOrd="2" destOrd="0"/>
+        <dgm:cxn modelId="8" srcId="0" destId="4" srcOrd="3" destOrd="0"/>
+      </dgm:cxnLst>
+      <dgm:bg/>
+      <dgm:whole/>
+    </dgm:dataModel>
+  </dgm:clrData>
+  <dgm:layoutNode name="linear">
+    <dgm:varLst>
+      <dgm:animLvl val="lvl"/>
+      <dgm:resizeHandles val="exact"/>
+    </dgm:varLst>
+    <dgm:alg type="lin">
+      <dgm:param type="linDir" val="fromT"/>
+      <dgm:param type="vertAlign" val="mid"/>
+    </dgm:alg>
+    <dgm:shape xmlns:r="http://schemas.openxmlformats.org/officeDocument/2006/relationships" r:blip="">
+      <dgm:adjLst/>
+    </dgm:shape>
+    <dgm:presOf/>
+    <dgm:constrLst>
+      <dgm:constr type="w" for="ch" forName="parentText" refType="w"/>
+      <dgm:constr type="h" for="ch" forName="parentText" refType="primFontSz" refFor="ch" refForName="parentText" fact="0.52"/>
+      <dgm:constr type="w" for="ch" forName="childText" refType="w"/>
+      <dgm:constr type="h" for="ch" forName="childText" refType="primFontSz" refFor="ch" refForName="parentText" fact="0.46"/>
+      <dgm:constr type="h" for="ch" forName="parentText" op="equ"/>
+      <dgm:constr type="primFontSz" for="ch" forName="parentText" op="equ" val="65"/>
+      <dgm:constr type="primFontSz" for="ch" forName="childText" refType="primFontSz" refFor="ch" refForName="parentText" op="equ"/>
+      <dgm:constr type="h" for="ch" forName="spacer" refType="primFontSz" refFor="ch" refForName="parentText" fact="0.08"/>
+    </dgm:constrLst>
+    <dgm:ruleLst>
+      <dgm:rule type="primFontSz" for="ch" forName="parentText" val="5" fact="NaN" max="NaN"/>
+    </dgm:ruleLst>
+    <dgm:forEach name="Name0" axis="ch" ptType="node">
+      <dgm:layoutNode name="parentText" styleLbl="node1">
+        <dgm:varLst>
+          <dgm:chMax val="0"/>
+          <dgm:bulletEnabled val="1"/>
+        </dgm:varLst>
+        <dgm:alg type="tx">
+          <dgm:param type="parTxLTRAlign" val="l"/>
+          <dgm:param type="parTxRTLAlign" val="r"/>
+        </dgm:alg>
+        <dgm:shape xmlns:r="http://schemas.openxmlformats.org/officeDocument/2006/relationships" type="roundRect" r:blip="">
+          <dgm:adjLst/>
+        </dgm:shape>
+        <dgm:presOf axis="self"/>
+        <dgm:constrLst>
+          <dgm:constr type="tMarg" refType="primFontSz" fact="0.3"/>
+          <dgm:constr type="bMarg" refType="primFontSz" fact="0.3"/>
+          <dgm:constr type="lMarg" refType="primFontSz" fact="0.3"/>
+          <dgm:constr type="rMarg" refType="primFontSz" fact="0.3"/>
+        </dgm:constrLst>
+        <dgm:ruleLst>
+          <dgm:rule type="h" val="INF" fact="NaN" max="NaN"/>
+        </dgm:ruleLst>
+      </dgm:layoutNode>
+      <dgm:choose name="Name1">
+        <dgm:if name="Name2" axis="ch" ptType="node" func="cnt" op="gte" val="1">
+          <dgm:layoutNode name="childText" styleLbl="revTx">
+            <dgm:varLst>
+              <dgm:bulletEnabled val="1"/>
+            </dgm:varLst>
+            <dgm:alg type="tx">
+              <dgm:param type="stBulletLvl" val="1"/>
+              <dgm:param type="lnSpAfChP" val="20"/>
+            </dgm:alg>
+            <dgm:shape xmlns:r="http://schemas.openxmlformats.org/officeDocument/2006/relationships" type="rect" r:blip="">
+              <dgm:adjLst/>
+            </dgm:shape>
+            <dgm:presOf axis="des" ptType="node"/>
+            <dgm:constrLst>
+              <dgm:constr type="tMarg" refType="primFontSz" fact="0.1"/>
+              <dgm:constr type="bMarg" refType="primFontSz" fact="0.1"/>
+              <dgm:constr type="lMarg" refType="w" fact="0.09"/>
+            </dgm:constrLst>
+            <dgm:ruleLst>
+              <dgm:rule type="h" val="INF" fact="NaN" max="NaN"/>
+            </dgm:ruleLst>
+          </dgm:layoutNode>
+        </dgm:if>
+        <dgm:else name="Name3">
+          <dgm:choose name="Name4">
+            <dgm:if name="Name5" axis="par ch" ptType="doc node" func="cnt" op="gte" val="2">
+              <dgm:forEach name="Name6" axis="followSib" ptType="sibTrans" cnt="1">
+                <dgm:layoutNode name="spacer">
+                  <dgm:alg type="sp"/>
+                  <dgm:shape xmlns:r="http://schemas.openxmlformats.org/officeDocument/2006/relationships" r:blip="">
+                    <dgm:adjLst/>
+                  </dgm:shape>
+                  <dgm:presOf/>
+                  <dgm:constrLst/>
+                  <dgm:ruleLst/>
+                </dgm:layoutNode>
+              </dgm:forEach>
+            </dgm:if>
+            <dgm:else name="Name7"/>
+          </dgm:choose>
+        </dgm:else>
+      </dgm:choose>
+    </dgm:forEach>
+  </dgm:layoutNode>
+</dgm:layoutDef>
+</file>
+
 <file path=ppt/diagrams/quickStyle1.xml><?xml version="1.0" encoding="utf-8"?>
 <dgm:styleDef xmlns:dgm="http://schemas.openxmlformats.org/drawingml/2006/diagram" xmlns:a="http://schemas.openxmlformats.org/drawingml/2006/main" uniqueId="urn:microsoft.com/office/officeart/2005/8/quickstyle/simple1">
   <dgm:title val=""/>
@@ -10674,6 +12347,1040 @@
 </file>
 
 <file path=ppt/diagrams/quickStyle4.xml><?xml version="1.0" encoding="utf-8"?>
+<dgm:styleDef xmlns:dgm="http://schemas.openxmlformats.org/drawingml/2006/diagram" xmlns:a="http://schemas.openxmlformats.org/drawingml/2006/main" uniqueId="urn:microsoft.com/office/officeart/2005/8/quickstyle/simple1">
+  <dgm:title val=""/>
+  <dgm:desc val=""/>
+  <dgm:catLst>
+    <dgm:cat type="simple" pri="10100"/>
+  </dgm:catLst>
+  <dgm:scene3d>
+    <a:camera prst="orthographicFront"/>
+    <a:lightRig rig="threePt" dir="t"/>
+  </dgm:scene3d>
+  <dgm:styleLbl name="node0">
+    <dgm:scene3d>
+      <a:camera prst="orthographicFront"/>
+      <a:lightRig rig="threePt" dir="t"/>
+    </dgm:scene3d>
+    <dgm:sp3d/>
+    <dgm:txPr/>
+    <dgm:style>
+      <a:lnRef idx="2">
+        <a:scrgbClr r="0" g="0" b="0"/>
+      </a:lnRef>
+      <a:fillRef idx="1">
+        <a:scrgbClr r="0" g="0" b="0"/>
+      </a:fillRef>
+      <a:effectRef idx="0">
+        <a:scrgbClr r="0" g="0" b="0"/>
+      </a:effectRef>
+      <a:fontRef idx="minor">
+        <a:schemeClr val="lt1"/>
+      </a:fontRef>
+    </dgm:style>
+  </dgm:styleLbl>
+  <dgm:styleLbl name="lnNode1">
+    <dgm:scene3d>
+      <a:camera prst="orthographicFront"/>
+      <a:lightRig rig="threePt" dir="t"/>
+    </dgm:scene3d>
+    <dgm:sp3d/>
+    <dgm:txPr/>
+    <dgm:style>
+      <a:lnRef idx="2">
+        <a:scrgbClr r="0" g="0" b="0"/>
+      </a:lnRef>
+      <a:fillRef idx="1">
+        <a:scrgbClr r="0" g="0" b="0"/>
+      </a:fillRef>
+      <a:effectRef idx="0">
+        <a:scrgbClr r="0" g="0" b="0"/>
+      </a:effectRef>
+      <a:fontRef idx="minor">
+        <a:schemeClr val="lt1"/>
+      </a:fontRef>
+    </dgm:style>
+  </dgm:styleLbl>
+  <dgm:styleLbl name="vennNode1">
+    <dgm:scene3d>
+      <a:camera prst="orthographicFront"/>
+      <a:lightRig rig="threePt" dir="t"/>
+    </dgm:scene3d>
+    <dgm:sp3d/>
+    <dgm:txPr/>
+    <dgm:style>
+      <a:lnRef idx="2">
+        <a:scrgbClr r="0" g="0" b="0"/>
+      </a:lnRef>
+      <a:fillRef idx="1">
+        <a:scrgbClr r="0" g="0" b="0"/>
+      </a:fillRef>
+      <a:effectRef idx="0">
+        <a:scrgbClr r="0" g="0" b="0"/>
+      </a:effectRef>
+      <a:fontRef idx="minor">
+        <a:schemeClr val="tx1"/>
+      </a:fontRef>
+    </dgm:style>
+  </dgm:styleLbl>
+  <dgm:styleLbl name="alignNode1">
+    <dgm:scene3d>
+      <a:camera prst="orthographicFront"/>
+      <a:lightRig rig="threePt" dir="t"/>
+    </dgm:scene3d>
+    <dgm:sp3d/>
+    <dgm:txPr/>
+    <dgm:style>
+      <a:lnRef idx="2">
+        <a:scrgbClr r="0" g="0" b="0"/>
+      </a:lnRef>
+      <a:fillRef idx="1">
+        <a:scrgbClr r="0" g="0" b="0"/>
+      </a:fillRef>
+      <a:effectRef idx="0">
+        <a:scrgbClr r="0" g="0" b="0"/>
+      </a:effectRef>
+      <a:fontRef idx="minor">
+        <a:schemeClr val="lt1"/>
+      </a:fontRef>
+    </dgm:style>
+  </dgm:styleLbl>
+  <dgm:styleLbl name="node1">
+    <dgm:scene3d>
+      <a:camera prst="orthographicFront"/>
+      <a:lightRig rig="threePt" dir="t"/>
+    </dgm:scene3d>
+    <dgm:sp3d/>
+    <dgm:txPr/>
+    <dgm:style>
+      <a:lnRef idx="2">
+        <a:scrgbClr r="0" g="0" b="0"/>
+      </a:lnRef>
+      <a:fillRef idx="1">
+        <a:scrgbClr r="0" g="0" b="0"/>
+      </a:fillRef>
+      <a:effectRef idx="0">
+        <a:scrgbClr r="0" g="0" b="0"/>
+      </a:effectRef>
+      <a:fontRef idx="minor">
+        <a:schemeClr val="lt1"/>
+      </a:fontRef>
+    </dgm:style>
+  </dgm:styleLbl>
+  <dgm:styleLbl name="node2">
+    <dgm:scene3d>
+      <a:camera prst="orthographicFront"/>
+      <a:lightRig rig="threePt" dir="t"/>
+    </dgm:scene3d>
+    <dgm:sp3d/>
+    <dgm:txPr/>
+    <dgm:style>
+      <a:lnRef idx="2">
+        <a:scrgbClr r="0" g="0" b="0"/>
+      </a:lnRef>
+      <a:fillRef idx="1">
+        <a:scrgbClr r="0" g="0" b="0"/>
+      </a:fillRef>
+      <a:effectRef idx="0">
+        <a:scrgbClr r="0" g="0" b="0"/>
+      </a:effectRef>
+      <a:fontRef idx="minor">
+        <a:schemeClr val="lt1"/>
+      </a:fontRef>
+    </dgm:style>
+  </dgm:styleLbl>
+  <dgm:styleLbl name="node3">
+    <dgm:scene3d>
+      <a:camera prst="orthographicFront"/>
+      <a:lightRig rig="threePt" dir="t"/>
+    </dgm:scene3d>
+    <dgm:sp3d/>
+    <dgm:txPr/>
+    <dgm:style>
+      <a:lnRef idx="2">
+        <a:scrgbClr r="0" g="0" b="0"/>
+      </a:lnRef>
+      <a:fillRef idx="1">
+        <a:scrgbClr r="0" g="0" b="0"/>
+      </a:fillRef>
+      <a:effectRef idx="0">
+        <a:scrgbClr r="0" g="0" b="0"/>
+      </a:effectRef>
+      <a:fontRef idx="minor">
+        <a:schemeClr val="lt1"/>
+      </a:fontRef>
+    </dgm:style>
+  </dgm:styleLbl>
+  <dgm:styleLbl name="node4">
+    <dgm:scene3d>
+      <a:camera prst="orthographicFront"/>
+      <a:lightRig rig="threePt" dir="t"/>
+    </dgm:scene3d>
+    <dgm:sp3d/>
+    <dgm:txPr/>
+    <dgm:style>
+      <a:lnRef idx="2">
+        <a:scrgbClr r="0" g="0" b="0"/>
+      </a:lnRef>
+      <a:fillRef idx="1">
+        <a:scrgbClr r="0" g="0" b="0"/>
+      </a:fillRef>
+      <a:effectRef idx="0">
+        <a:scrgbClr r="0" g="0" b="0"/>
+      </a:effectRef>
+      <a:fontRef idx="minor">
+        <a:schemeClr val="lt1"/>
+      </a:fontRef>
+    </dgm:style>
+  </dgm:styleLbl>
+  <dgm:styleLbl name="fgImgPlace1">
+    <dgm:scene3d>
+      <a:camera prst="orthographicFront"/>
+      <a:lightRig rig="threePt" dir="t"/>
+    </dgm:scene3d>
+    <dgm:sp3d/>
+    <dgm:txPr/>
+    <dgm:style>
+      <a:lnRef idx="2">
+        <a:scrgbClr r="0" g="0" b="0"/>
+      </a:lnRef>
+      <a:fillRef idx="1">
+        <a:scrgbClr r="0" g="0" b="0"/>
+      </a:fillRef>
+      <a:effectRef idx="0">
+        <a:scrgbClr r="0" g="0" b="0"/>
+      </a:effectRef>
+      <a:fontRef idx="minor"/>
+    </dgm:style>
+  </dgm:styleLbl>
+  <dgm:styleLbl name="alignImgPlace1">
+    <dgm:scene3d>
+      <a:camera prst="orthographicFront"/>
+      <a:lightRig rig="threePt" dir="t"/>
+    </dgm:scene3d>
+    <dgm:sp3d/>
+    <dgm:txPr/>
+    <dgm:style>
+      <a:lnRef idx="2">
+        <a:scrgbClr r="0" g="0" b="0"/>
+      </a:lnRef>
+      <a:fillRef idx="1">
+        <a:scrgbClr r="0" g="0" b="0"/>
+      </a:fillRef>
+      <a:effectRef idx="0">
+        <a:scrgbClr r="0" g="0" b="0"/>
+      </a:effectRef>
+      <a:fontRef idx="minor"/>
+    </dgm:style>
+  </dgm:styleLbl>
+  <dgm:styleLbl name="bgImgPlace1">
+    <dgm:scene3d>
+      <a:camera prst="orthographicFront"/>
+      <a:lightRig rig="threePt" dir="t"/>
+    </dgm:scene3d>
+    <dgm:sp3d/>
+    <dgm:txPr/>
+    <dgm:style>
+      <a:lnRef idx="2">
+        <a:scrgbClr r="0" g="0" b="0"/>
+      </a:lnRef>
+      <a:fillRef idx="1">
+        <a:scrgbClr r="0" g="0" b="0"/>
+      </a:fillRef>
+      <a:effectRef idx="0">
+        <a:scrgbClr r="0" g="0" b="0"/>
+      </a:effectRef>
+      <a:fontRef idx="minor"/>
+    </dgm:style>
+  </dgm:styleLbl>
+  <dgm:styleLbl name="sibTrans2D1">
+    <dgm:scene3d>
+      <a:camera prst="orthographicFront"/>
+      <a:lightRig rig="threePt" dir="t"/>
+    </dgm:scene3d>
+    <dgm:sp3d/>
+    <dgm:txPr/>
+    <dgm:style>
+      <a:lnRef idx="0">
+        <a:scrgbClr r="0" g="0" b="0"/>
+      </a:lnRef>
+      <a:fillRef idx="1">
+        <a:scrgbClr r="0" g="0" b="0"/>
+      </a:fillRef>
+      <a:effectRef idx="0">
+        <a:scrgbClr r="0" g="0" b="0"/>
+      </a:effectRef>
+      <a:fontRef idx="minor">
+        <a:schemeClr val="lt1"/>
+      </a:fontRef>
+    </dgm:style>
+  </dgm:styleLbl>
+  <dgm:styleLbl name="fgSibTrans2D1">
+    <dgm:scene3d>
+      <a:camera prst="orthographicFront"/>
+      <a:lightRig rig="threePt" dir="t"/>
+    </dgm:scene3d>
+    <dgm:sp3d/>
+    <dgm:txPr/>
+    <dgm:style>
+      <a:lnRef idx="0">
+        <a:scrgbClr r="0" g="0" b="0"/>
+      </a:lnRef>
+      <a:fillRef idx="1">
+        <a:scrgbClr r="0" g="0" b="0"/>
+      </a:fillRef>
+      <a:effectRef idx="0">
+        <a:scrgbClr r="0" g="0" b="0"/>
+      </a:effectRef>
+      <a:fontRef idx="minor">
+        <a:schemeClr val="lt1"/>
+      </a:fontRef>
+    </dgm:style>
+  </dgm:styleLbl>
+  <dgm:styleLbl name="bgSibTrans2D1">
+    <dgm:scene3d>
+      <a:camera prst="orthographicFront"/>
+      <a:lightRig rig="threePt" dir="t"/>
+    </dgm:scene3d>
+    <dgm:sp3d/>
+    <dgm:txPr/>
+    <dgm:style>
+      <a:lnRef idx="0">
+        <a:scrgbClr r="0" g="0" b="0"/>
+      </a:lnRef>
+      <a:fillRef idx="1">
+        <a:scrgbClr r="0" g="0" b="0"/>
+      </a:fillRef>
+      <a:effectRef idx="0">
+        <a:scrgbClr r="0" g="0" b="0"/>
+      </a:effectRef>
+      <a:fontRef idx="minor">
+        <a:schemeClr val="lt1"/>
+      </a:fontRef>
+    </dgm:style>
+  </dgm:styleLbl>
+  <dgm:styleLbl name="sibTrans1D1">
+    <dgm:scene3d>
+      <a:camera prst="orthographicFront"/>
+      <a:lightRig rig="threePt" dir="t"/>
+    </dgm:scene3d>
+    <dgm:sp3d/>
+    <dgm:txPr/>
+    <dgm:style>
+      <a:lnRef idx="1">
+        <a:scrgbClr r="0" g="0" b="0"/>
+      </a:lnRef>
+      <a:fillRef idx="0">
+        <a:scrgbClr r="0" g="0" b="0"/>
+      </a:fillRef>
+      <a:effectRef idx="0">
+        <a:scrgbClr r="0" g="0" b="0"/>
+      </a:effectRef>
+      <a:fontRef idx="minor"/>
+    </dgm:style>
+  </dgm:styleLbl>
+  <dgm:styleLbl name="callout">
+    <dgm:scene3d>
+      <a:camera prst="orthographicFront"/>
+      <a:lightRig rig="threePt" dir="t"/>
+    </dgm:scene3d>
+    <dgm:sp3d/>
+    <dgm:txPr/>
+    <dgm:style>
+      <a:lnRef idx="2">
+        <a:scrgbClr r="0" g="0" b="0"/>
+      </a:lnRef>
+      <a:fillRef idx="1">
+        <a:scrgbClr r="0" g="0" b="0"/>
+      </a:fillRef>
+      <a:effectRef idx="0">
+        <a:scrgbClr r="0" g="0" b="0"/>
+      </a:effectRef>
+      <a:fontRef idx="minor"/>
+    </dgm:style>
+  </dgm:styleLbl>
+  <dgm:styleLbl name="asst0">
+    <dgm:scene3d>
+      <a:camera prst="orthographicFront"/>
+      <a:lightRig rig="threePt" dir="t"/>
+    </dgm:scene3d>
+    <dgm:sp3d/>
+    <dgm:txPr/>
+    <dgm:style>
+      <a:lnRef idx="2">
+        <a:scrgbClr r="0" g="0" b="0"/>
+      </a:lnRef>
+      <a:fillRef idx="1">
+        <a:scrgbClr r="0" g="0" b="0"/>
+      </a:fillRef>
+      <a:effectRef idx="0">
+        <a:scrgbClr r="0" g="0" b="0"/>
+      </a:effectRef>
+      <a:fontRef idx="minor">
+        <a:schemeClr val="lt1"/>
+      </a:fontRef>
+    </dgm:style>
+  </dgm:styleLbl>
+  <dgm:styleLbl name="asst1">
+    <dgm:scene3d>
+      <a:camera prst="orthographicFront"/>
+      <a:lightRig rig="threePt" dir="t"/>
+    </dgm:scene3d>
+    <dgm:sp3d/>
+    <dgm:txPr/>
+    <dgm:style>
+      <a:lnRef idx="2">
+        <a:scrgbClr r="0" g="0" b="0"/>
+      </a:lnRef>
+      <a:fillRef idx="1">
+        <a:scrgbClr r="0" g="0" b="0"/>
+      </a:fillRef>
+      <a:effectRef idx="0">
+        <a:scrgbClr r="0" g="0" b="0"/>
+      </a:effectRef>
+      <a:fontRef idx="minor">
+        <a:schemeClr val="lt1"/>
+      </a:fontRef>
+    </dgm:style>
+  </dgm:styleLbl>
+  <dgm:styleLbl name="asst2">
+    <dgm:scene3d>
+      <a:camera prst="orthographicFront"/>
+      <a:lightRig rig="threePt" dir="t"/>
+    </dgm:scene3d>
+    <dgm:sp3d/>
+    <dgm:txPr/>
+    <dgm:style>
+      <a:lnRef idx="2">
+        <a:scrgbClr r="0" g="0" b="0"/>
+      </a:lnRef>
+      <a:fillRef idx="1">
+        <a:scrgbClr r="0" g="0" b="0"/>
+      </a:fillRef>
+      <a:effectRef idx="0">
+        <a:scrgbClr r="0" g="0" b="0"/>
+      </a:effectRef>
+      <a:fontRef idx="minor">
+        <a:schemeClr val="lt1"/>
+      </a:fontRef>
+    </dgm:style>
+  </dgm:styleLbl>
+  <dgm:styleLbl name="asst3">
+    <dgm:scene3d>
+      <a:camera prst="orthographicFront"/>
+      <a:lightRig rig="threePt" dir="t"/>
+    </dgm:scene3d>
+    <dgm:sp3d/>
+    <dgm:txPr/>
+    <dgm:style>
+      <a:lnRef idx="2">
+        <a:scrgbClr r="0" g="0" b="0"/>
+      </a:lnRef>
+      <a:fillRef idx="1">
+        <a:scrgbClr r="0" g="0" b="0"/>
+      </a:fillRef>
+      <a:effectRef idx="0">
+        <a:scrgbClr r="0" g="0" b="0"/>
+      </a:effectRef>
+      <a:fontRef idx="minor">
+        <a:schemeClr val="lt1"/>
+      </a:fontRef>
+    </dgm:style>
+  </dgm:styleLbl>
+  <dgm:styleLbl name="asst4">
+    <dgm:scene3d>
+      <a:camera prst="orthographicFront"/>
+      <a:lightRig rig="threePt" dir="t"/>
+    </dgm:scene3d>
+    <dgm:sp3d/>
+    <dgm:txPr/>
+    <dgm:style>
+      <a:lnRef idx="2">
+        <a:scrgbClr r="0" g="0" b="0"/>
+      </a:lnRef>
+      <a:fillRef idx="1">
+        <a:scrgbClr r="0" g="0" b="0"/>
+      </a:fillRef>
+      <a:effectRef idx="0">
+        <a:scrgbClr r="0" g="0" b="0"/>
+      </a:effectRef>
+      <a:fontRef idx="minor">
+        <a:schemeClr val="lt1"/>
+      </a:fontRef>
+    </dgm:style>
+  </dgm:styleLbl>
+  <dgm:styleLbl name="parChTrans2D1">
+    <dgm:scene3d>
+      <a:camera prst="orthographicFront"/>
+      <a:lightRig rig="threePt" dir="t"/>
+    </dgm:scene3d>
+    <dgm:sp3d/>
+    <dgm:txPr/>
+    <dgm:style>
+      <a:lnRef idx="2">
+        <a:scrgbClr r="0" g="0" b="0"/>
+      </a:lnRef>
+      <a:fillRef idx="1">
+        <a:scrgbClr r="0" g="0" b="0"/>
+      </a:fillRef>
+      <a:effectRef idx="0">
+        <a:scrgbClr r="0" g="0" b="0"/>
+      </a:effectRef>
+      <a:fontRef idx="minor">
+        <a:schemeClr val="lt1"/>
+      </a:fontRef>
+    </dgm:style>
+  </dgm:styleLbl>
+  <dgm:styleLbl name="parChTrans2D2">
+    <dgm:scene3d>
+      <a:camera prst="orthographicFront"/>
+      <a:lightRig rig="threePt" dir="t"/>
+    </dgm:scene3d>
+    <dgm:sp3d/>
+    <dgm:txPr/>
+    <dgm:style>
+      <a:lnRef idx="2">
+        <a:scrgbClr r="0" g="0" b="0"/>
+      </a:lnRef>
+      <a:fillRef idx="1">
+        <a:scrgbClr r="0" g="0" b="0"/>
+      </a:fillRef>
+      <a:effectRef idx="0">
+        <a:scrgbClr r="0" g="0" b="0"/>
+      </a:effectRef>
+      <a:fontRef idx="minor">
+        <a:schemeClr val="lt1"/>
+      </a:fontRef>
+    </dgm:style>
+  </dgm:styleLbl>
+  <dgm:styleLbl name="parChTrans2D3">
+    <dgm:scene3d>
+      <a:camera prst="orthographicFront"/>
+      <a:lightRig rig="threePt" dir="t"/>
+    </dgm:scene3d>
+    <dgm:sp3d/>
+    <dgm:txPr/>
+    <dgm:style>
+      <a:lnRef idx="2">
+        <a:scrgbClr r="0" g="0" b="0"/>
+      </a:lnRef>
+      <a:fillRef idx="1">
+        <a:scrgbClr r="0" g="0" b="0"/>
+      </a:fillRef>
+      <a:effectRef idx="0">
+        <a:scrgbClr r="0" g="0" b="0"/>
+      </a:effectRef>
+      <a:fontRef idx="minor">
+        <a:schemeClr val="lt1"/>
+      </a:fontRef>
+    </dgm:style>
+  </dgm:styleLbl>
+  <dgm:styleLbl name="parChTrans2D4">
+    <dgm:scene3d>
+      <a:camera prst="orthographicFront"/>
+      <a:lightRig rig="threePt" dir="t"/>
+    </dgm:scene3d>
+    <dgm:sp3d/>
+    <dgm:txPr/>
+    <dgm:style>
+      <a:lnRef idx="2">
+        <a:scrgbClr r="0" g="0" b="0"/>
+      </a:lnRef>
+      <a:fillRef idx="1">
+        <a:scrgbClr r="0" g="0" b="0"/>
+      </a:fillRef>
+      <a:effectRef idx="0">
+        <a:scrgbClr r="0" g="0" b="0"/>
+      </a:effectRef>
+      <a:fontRef idx="minor">
+        <a:schemeClr val="lt1"/>
+      </a:fontRef>
+    </dgm:style>
+  </dgm:styleLbl>
+  <dgm:styleLbl name="parChTrans1D1">
+    <dgm:scene3d>
+      <a:camera prst="orthographicFront"/>
+      <a:lightRig rig="threePt" dir="t"/>
+    </dgm:scene3d>
+    <dgm:sp3d/>
+    <dgm:txPr/>
+    <dgm:style>
+      <a:lnRef idx="2">
+        <a:scrgbClr r="0" g="0" b="0"/>
+      </a:lnRef>
+      <a:fillRef idx="0">
+        <a:scrgbClr r="0" g="0" b="0"/>
+      </a:fillRef>
+      <a:effectRef idx="0">
+        <a:scrgbClr r="0" g="0" b="0"/>
+      </a:effectRef>
+      <a:fontRef idx="minor"/>
+    </dgm:style>
+  </dgm:styleLbl>
+  <dgm:styleLbl name="parChTrans1D2">
+    <dgm:scene3d>
+      <a:camera prst="orthographicFront"/>
+      <a:lightRig rig="threePt" dir="t"/>
+    </dgm:scene3d>
+    <dgm:sp3d/>
+    <dgm:txPr/>
+    <dgm:style>
+      <a:lnRef idx="2">
+        <a:scrgbClr r="0" g="0" b="0"/>
+      </a:lnRef>
+      <a:fillRef idx="0">
+        <a:scrgbClr r="0" g="0" b="0"/>
+      </a:fillRef>
+      <a:effectRef idx="0">
+        <a:scrgbClr r="0" g="0" b="0"/>
+      </a:effectRef>
+      <a:fontRef idx="minor"/>
+    </dgm:style>
+  </dgm:styleLbl>
+  <dgm:styleLbl name="parChTrans1D3">
+    <dgm:scene3d>
+      <a:camera prst="orthographicFront"/>
+      <a:lightRig rig="threePt" dir="t"/>
+    </dgm:scene3d>
+    <dgm:sp3d/>
+    <dgm:txPr/>
+    <dgm:style>
+      <a:lnRef idx="2">
+        <a:scrgbClr r="0" g="0" b="0"/>
+      </a:lnRef>
+      <a:fillRef idx="0">
+        <a:scrgbClr r="0" g="0" b="0"/>
+      </a:fillRef>
+      <a:effectRef idx="0">
+        <a:scrgbClr r="0" g="0" b="0"/>
+      </a:effectRef>
+      <a:fontRef idx="minor"/>
+    </dgm:style>
+  </dgm:styleLbl>
+  <dgm:styleLbl name="parChTrans1D4">
+    <dgm:scene3d>
+      <a:camera prst="orthographicFront"/>
+      <a:lightRig rig="threePt" dir="t"/>
+    </dgm:scene3d>
+    <dgm:sp3d/>
+    <dgm:txPr/>
+    <dgm:style>
+      <a:lnRef idx="2">
+        <a:scrgbClr r="0" g="0" b="0"/>
+      </a:lnRef>
+      <a:fillRef idx="0">
+        <a:scrgbClr r="0" g="0" b="0"/>
+      </a:fillRef>
+      <a:effectRef idx="0">
+        <a:scrgbClr r="0" g="0" b="0"/>
+      </a:effectRef>
+      <a:fontRef idx="minor"/>
+    </dgm:style>
+  </dgm:styleLbl>
+  <dgm:styleLbl name="fgAcc1">
+    <dgm:scene3d>
+      <a:camera prst="orthographicFront"/>
+      <a:lightRig rig="threePt" dir="t"/>
+    </dgm:scene3d>
+    <dgm:sp3d/>
+    <dgm:txPr/>
+    <dgm:style>
+      <a:lnRef idx="2">
+        <a:scrgbClr r="0" g="0" b="0"/>
+      </a:lnRef>
+      <a:fillRef idx="1">
+        <a:scrgbClr r="0" g="0" b="0"/>
+      </a:fillRef>
+      <a:effectRef idx="0">
+        <a:scrgbClr r="0" g="0" b="0"/>
+      </a:effectRef>
+      <a:fontRef idx="minor"/>
+    </dgm:style>
+  </dgm:styleLbl>
+  <dgm:styleLbl name="conFgAcc1">
+    <dgm:scene3d>
+      <a:camera prst="orthographicFront"/>
+      <a:lightRig rig="threePt" dir="t"/>
+    </dgm:scene3d>
+    <dgm:sp3d/>
+    <dgm:txPr/>
+    <dgm:style>
+      <a:lnRef idx="2">
+        <a:scrgbClr r="0" g="0" b="0"/>
+      </a:lnRef>
+      <a:fillRef idx="1">
+        <a:scrgbClr r="0" g="0" b="0"/>
+      </a:fillRef>
+      <a:effectRef idx="0">
+        <a:scrgbClr r="0" g="0" b="0"/>
+      </a:effectRef>
+      <a:fontRef idx="minor"/>
+    </dgm:style>
+  </dgm:styleLbl>
+  <dgm:styleLbl name="alignAcc1">
+    <dgm:scene3d>
+      <a:camera prst="orthographicFront"/>
+      <a:lightRig rig="threePt" dir="t"/>
+    </dgm:scene3d>
+    <dgm:sp3d/>
+    <dgm:txPr/>
+    <dgm:style>
+      <a:lnRef idx="2">
+        <a:scrgbClr r="0" g="0" b="0"/>
+      </a:lnRef>
+      <a:fillRef idx="1">
+        <a:scrgbClr r="0" g="0" b="0"/>
+      </a:fillRef>
+      <a:effectRef idx="0">
+        <a:scrgbClr r="0" g="0" b="0"/>
+      </a:effectRef>
+      <a:fontRef idx="minor"/>
+    </dgm:style>
+  </dgm:styleLbl>
+  <dgm:styleLbl name="trAlignAcc1">
+    <dgm:scene3d>
+      <a:camera prst="orthographicFront"/>
+      <a:lightRig rig="threePt" dir="t"/>
+    </dgm:scene3d>
+    <dgm:sp3d/>
+    <dgm:txPr/>
+    <dgm:style>
+      <a:lnRef idx="1">
+        <a:scrgbClr r="0" g="0" b="0"/>
+      </a:lnRef>
+      <a:fillRef idx="1">
+        <a:scrgbClr r="0" g="0" b="0"/>
+      </a:fillRef>
+      <a:effectRef idx="0">
+        <a:scrgbClr r="0" g="0" b="0"/>
+      </a:effectRef>
+      <a:fontRef idx="minor"/>
+    </dgm:style>
+  </dgm:styleLbl>
+  <dgm:styleLbl name="bgAcc1">
+    <dgm:scene3d>
+      <a:camera prst="orthographicFront"/>
+      <a:lightRig rig="threePt" dir="t"/>
+    </dgm:scene3d>
+    <dgm:sp3d/>
+    <dgm:txPr/>
+    <dgm:style>
+      <a:lnRef idx="2">
+        <a:scrgbClr r="0" g="0" b="0"/>
+      </a:lnRef>
+      <a:fillRef idx="1">
+        <a:scrgbClr r="0" g="0" b="0"/>
+      </a:fillRef>
+      <a:effectRef idx="0">
+        <a:scrgbClr r="0" g="0" b="0"/>
+      </a:effectRef>
+      <a:fontRef idx="minor"/>
+    </dgm:style>
+  </dgm:styleLbl>
+  <dgm:styleLbl name="solidFgAcc1">
+    <dgm:scene3d>
+      <a:camera prst="orthographicFront"/>
+      <a:lightRig rig="threePt" dir="t"/>
+    </dgm:scene3d>
+    <dgm:sp3d/>
+    <dgm:txPr/>
+    <dgm:style>
+      <a:lnRef idx="2">
+        <a:scrgbClr r="0" g="0" b="0"/>
+      </a:lnRef>
+      <a:fillRef idx="1">
+        <a:scrgbClr r="0" g="0" b="0"/>
+      </a:fillRef>
+      <a:effectRef idx="0">
+        <a:scrgbClr r="0" g="0" b="0"/>
+      </a:effectRef>
+      <a:fontRef idx="minor"/>
+    </dgm:style>
+  </dgm:styleLbl>
+  <dgm:styleLbl name="solidAlignAcc1">
+    <dgm:scene3d>
+      <a:camera prst="orthographicFront"/>
+      <a:lightRig rig="threePt" dir="t"/>
+    </dgm:scene3d>
+    <dgm:sp3d/>
+    <dgm:txPr/>
+    <dgm:style>
+      <a:lnRef idx="2">
+        <a:scrgbClr r="0" g="0" b="0"/>
+      </a:lnRef>
+      <a:fillRef idx="1">
+        <a:scrgbClr r="0" g="0" b="0"/>
+      </a:fillRef>
+      <a:effectRef idx="0">
+        <a:scrgbClr r="0" g="0" b="0"/>
+      </a:effectRef>
+      <a:fontRef idx="minor"/>
+    </dgm:style>
+  </dgm:styleLbl>
+  <dgm:styleLbl name="solidBgAcc1">
+    <dgm:scene3d>
+      <a:camera prst="orthographicFront"/>
+      <a:lightRig rig="threePt" dir="t"/>
+    </dgm:scene3d>
+    <dgm:sp3d/>
+    <dgm:txPr/>
+    <dgm:style>
+      <a:lnRef idx="2">
+        <a:scrgbClr r="0" g="0" b="0"/>
+      </a:lnRef>
+      <a:fillRef idx="1">
+        <a:scrgbClr r="0" g="0" b="0"/>
+      </a:fillRef>
+      <a:effectRef idx="0">
+        <a:scrgbClr r="0" g="0" b="0"/>
+      </a:effectRef>
+      <a:fontRef idx="minor"/>
+    </dgm:style>
+  </dgm:styleLbl>
+  <dgm:styleLbl name="fgAccFollowNode1">
+    <dgm:scene3d>
+      <a:camera prst="orthographicFront"/>
+      <a:lightRig rig="threePt" dir="t"/>
+    </dgm:scene3d>
+    <dgm:sp3d/>
+    <dgm:txPr/>
+    <dgm:style>
+      <a:lnRef idx="2">
+        <a:scrgbClr r="0" g="0" b="0"/>
+      </a:lnRef>
+      <a:fillRef idx="1">
+        <a:scrgbClr r="0" g="0" b="0"/>
+      </a:fillRef>
+      <a:effectRef idx="0">
+        <a:scrgbClr r="0" g="0" b="0"/>
+      </a:effectRef>
+      <a:fontRef idx="minor"/>
+    </dgm:style>
+  </dgm:styleLbl>
+  <dgm:styleLbl name="alignAccFollowNode1">
+    <dgm:scene3d>
+      <a:camera prst="orthographicFront"/>
+      <a:lightRig rig="threePt" dir="t"/>
+    </dgm:scene3d>
+    <dgm:sp3d/>
+    <dgm:txPr/>
+    <dgm:style>
+      <a:lnRef idx="2">
+        <a:scrgbClr r="0" g="0" b="0"/>
+      </a:lnRef>
+      <a:fillRef idx="1">
+        <a:scrgbClr r="0" g="0" b="0"/>
+      </a:fillRef>
+      <a:effectRef idx="0">
+        <a:scrgbClr r="0" g="0" b="0"/>
+      </a:effectRef>
+      <a:fontRef idx="minor"/>
+    </dgm:style>
+  </dgm:styleLbl>
+  <dgm:styleLbl name="bgAccFollowNode1">
+    <dgm:scene3d>
+      <a:camera prst="orthographicFront"/>
+      <a:lightRig rig="threePt" dir="t"/>
+    </dgm:scene3d>
+    <dgm:sp3d/>
+    <dgm:txPr/>
+    <dgm:style>
+      <a:lnRef idx="2">
+        <a:scrgbClr r="0" g="0" b="0"/>
+      </a:lnRef>
+      <a:fillRef idx="1">
+        <a:scrgbClr r="0" g="0" b="0"/>
+      </a:fillRef>
+      <a:effectRef idx="0">
+        <a:scrgbClr r="0" g="0" b="0"/>
+      </a:effectRef>
+      <a:fontRef idx="minor"/>
+    </dgm:style>
+  </dgm:styleLbl>
+  <dgm:styleLbl name="fgAcc0">
+    <dgm:scene3d>
+      <a:camera prst="orthographicFront"/>
+      <a:lightRig rig="threePt" dir="t"/>
+    </dgm:scene3d>
+    <dgm:sp3d/>
+    <dgm:txPr/>
+    <dgm:style>
+      <a:lnRef idx="2">
+        <a:scrgbClr r="0" g="0" b="0"/>
+      </a:lnRef>
+      <a:fillRef idx="1">
+        <a:scrgbClr r="0" g="0" b="0"/>
+      </a:fillRef>
+      <a:effectRef idx="0">
+        <a:scrgbClr r="0" g="0" b="0"/>
+      </a:effectRef>
+      <a:fontRef idx="minor"/>
+    </dgm:style>
+  </dgm:styleLbl>
+  <dgm:styleLbl name="fgAcc2">
+    <dgm:scene3d>
+      <a:camera prst="orthographicFront"/>
+      <a:lightRig rig="threePt" dir="t"/>
+    </dgm:scene3d>
+    <dgm:sp3d/>
+    <dgm:txPr/>
+    <dgm:style>
+      <a:lnRef idx="2">
+        <a:scrgbClr r="0" g="0" b="0"/>
+      </a:lnRef>
+      <a:fillRef idx="1">
+        <a:scrgbClr r="0" g="0" b="0"/>
+      </a:fillRef>
+      <a:effectRef idx="0">
+        <a:scrgbClr r="0" g="0" b="0"/>
+      </a:effectRef>
+      <a:fontRef idx="minor"/>
+    </dgm:style>
+  </dgm:styleLbl>
+  <dgm:styleLbl name="fgAcc3">
+    <dgm:scene3d>
+      <a:camera prst="orthographicFront"/>
+      <a:lightRig rig="threePt" dir="t"/>
+    </dgm:scene3d>
+    <dgm:sp3d/>
+    <dgm:txPr/>
+    <dgm:style>
+      <a:lnRef idx="2">
+        <a:scrgbClr r="0" g="0" b="0"/>
+      </a:lnRef>
+      <a:fillRef idx="1">
+        <a:scrgbClr r="0" g="0" b="0"/>
+      </a:fillRef>
+      <a:effectRef idx="0">
+        <a:scrgbClr r="0" g="0" b="0"/>
+      </a:effectRef>
+      <a:fontRef idx="minor"/>
+    </dgm:style>
+  </dgm:styleLbl>
+  <dgm:styleLbl name="fgAcc4">
+    <dgm:scene3d>
+      <a:camera prst="orthographicFront"/>
+      <a:lightRig rig="threePt" dir="t"/>
+    </dgm:scene3d>
+    <dgm:sp3d/>
+    <dgm:txPr/>
+    <dgm:style>
+      <a:lnRef idx="2">
+        <a:scrgbClr r="0" g="0" b="0"/>
+      </a:lnRef>
+      <a:fillRef idx="1">
+        <a:scrgbClr r="0" g="0" b="0"/>
+      </a:fillRef>
+      <a:effectRef idx="0">
+        <a:scrgbClr r="0" g="0" b="0"/>
+      </a:effectRef>
+      <a:fontRef idx="minor"/>
+    </dgm:style>
+  </dgm:styleLbl>
+  <dgm:styleLbl name="bgShp">
+    <dgm:scene3d>
+      <a:camera prst="orthographicFront"/>
+      <a:lightRig rig="threePt" dir="t"/>
+    </dgm:scene3d>
+    <dgm:sp3d/>
+    <dgm:txPr/>
+    <dgm:style>
+      <a:lnRef idx="0">
+        <a:scrgbClr r="0" g="0" b="0"/>
+      </a:lnRef>
+      <a:fillRef idx="1">
+        <a:scrgbClr r="0" g="0" b="0"/>
+      </a:fillRef>
+      <a:effectRef idx="0">
+        <a:scrgbClr r="0" g="0" b="0"/>
+      </a:effectRef>
+      <a:fontRef idx="minor"/>
+    </dgm:style>
+  </dgm:styleLbl>
+  <dgm:styleLbl name="dkBgShp">
+    <dgm:scene3d>
+      <a:camera prst="orthographicFront"/>
+      <a:lightRig rig="threePt" dir="t"/>
+    </dgm:scene3d>
+    <dgm:sp3d/>
+    <dgm:txPr/>
+    <dgm:style>
+      <a:lnRef idx="0">
+        <a:scrgbClr r="0" g="0" b="0"/>
+      </a:lnRef>
+      <a:fillRef idx="1">
+        <a:scrgbClr r="0" g="0" b="0"/>
+      </a:fillRef>
+      <a:effectRef idx="0">
+        <a:scrgbClr r="0" g="0" b="0"/>
+      </a:effectRef>
+      <a:fontRef idx="minor"/>
+    </dgm:style>
+  </dgm:styleLbl>
+  <dgm:styleLbl name="trBgShp">
+    <dgm:scene3d>
+      <a:camera prst="orthographicFront"/>
+      <a:lightRig rig="threePt" dir="t"/>
+    </dgm:scene3d>
+    <dgm:sp3d/>
+    <dgm:txPr/>
+    <dgm:style>
+      <a:lnRef idx="0">
+        <a:scrgbClr r="0" g="0" b="0"/>
+      </a:lnRef>
+      <a:fillRef idx="1">
+        <a:scrgbClr r="0" g="0" b="0"/>
+      </a:fillRef>
+      <a:effectRef idx="0">
+        <a:scrgbClr r="0" g="0" b="0"/>
+      </a:effectRef>
+      <a:fontRef idx="minor"/>
+    </dgm:style>
+  </dgm:styleLbl>
+  <dgm:styleLbl name="fgShp">
+    <dgm:scene3d>
+      <a:camera prst="orthographicFront"/>
+      <a:lightRig rig="threePt" dir="t"/>
+    </dgm:scene3d>
+    <dgm:sp3d/>
+    <dgm:txPr/>
+    <dgm:style>
+      <a:lnRef idx="2">
+        <a:scrgbClr r="0" g="0" b="0"/>
+      </a:lnRef>
+      <a:fillRef idx="1">
+        <a:scrgbClr r="0" g="0" b="0"/>
+      </a:fillRef>
+      <a:effectRef idx="0">
+        <a:scrgbClr r="0" g="0" b="0"/>
+      </a:effectRef>
+      <a:fontRef idx="minor"/>
+    </dgm:style>
+  </dgm:styleLbl>
+  <dgm:styleLbl name="revTx">
+    <dgm:scene3d>
+      <a:camera prst="orthographicFront"/>
+      <a:lightRig rig="threePt" dir="t"/>
+    </dgm:scene3d>
+    <dgm:sp3d/>
+    <dgm:txPr/>
+    <dgm:style>
+      <a:lnRef idx="0">
+        <a:scrgbClr r="0" g="0" b="0"/>
+      </a:lnRef>
+      <a:fillRef idx="0">
+        <a:scrgbClr r="0" g="0" b="0"/>
+      </a:fillRef>
+      <a:effectRef idx="0">
+        <a:scrgbClr r="0" g="0" b="0"/>
+      </a:effectRef>
+      <a:fontRef idx="minor"/>
+    </dgm:style>
+  </dgm:styleLbl>
+</dgm:styleDef>
+</file>
+
+<file path=ppt/diagrams/quickStyle5.xml><?xml version="1.0" encoding="utf-8"?>
 <dgm:styleDef xmlns:dgm="http://schemas.openxmlformats.org/drawingml/2006/diagram" xmlns:a="http://schemas.openxmlformats.org/drawingml/2006/main" uniqueId="urn:microsoft.com/office/officeart/2005/8/quickstyle/simple1">
   <dgm:title val=""/>
   <dgm:desc val=""/>
@@ -16089,6 +18796,757 @@
 </p:sld>
 </file>
 
+<file path=ppt/slides/slide11.xml><?xml version="1.0" encoding="utf-8"?>
+<p:sld xmlns:a="http://schemas.openxmlformats.org/drawingml/2006/main" xmlns:r="http://schemas.openxmlformats.org/officeDocument/2006/relationships" xmlns:p="http://schemas.openxmlformats.org/presentationml/2006/main">
+  <p:cSld>
+    <p:bg>
+      <p:bgPr>
+        <a:solidFill>
+          <a:schemeClr val="bg1"/>
+        </a:solidFill>
+        <a:effectLst/>
+      </p:bgPr>
+    </p:bg>
+    <p:spTree>
+      <p:nvGrpSpPr>
+        <p:cNvPr id="1" name=""/>
+        <p:cNvGrpSpPr/>
+        <p:nvPr/>
+      </p:nvGrpSpPr>
+      <p:grpSpPr>
+        <a:xfrm>
+          <a:off x="0" y="0"/>
+          <a:ext cx="0" cy="0"/>
+          <a:chOff x="0" y="0"/>
+          <a:chExt cx="0" cy="0"/>
+        </a:xfrm>
+      </p:grpSpPr>
+      <p:sp useBgFill="1">
+        <p:nvSpPr>
+          <p:cNvPr id="9" name="Rectangle 8">
+            <a:extLst>
+              <a:ext uri="{FF2B5EF4-FFF2-40B4-BE49-F238E27FC236}">
+                <a16:creationId xmlns:a16="http://schemas.microsoft.com/office/drawing/2014/main" id="{BACC6370-2D7E-4714-9D71-7542949D7D5D}"/>
+              </a:ext>
+              <a:ext uri="{C183D7F6-B498-43B3-948B-1728B52AA6E4}">
+                <adec:decorative xmlns:adec="http://schemas.microsoft.com/office/drawing/2017/decorative" val="1"/>
+              </a:ext>
+            </a:extLst>
+          </p:cNvPr>
+          <p:cNvSpPr>
+            <a:spLocks noGrp="1" noRot="1" noChangeAspect="1" noMove="1" noResize="1" noEditPoints="1" noAdjustHandles="1" noChangeArrowheads="1" noChangeShapeType="1" noTextEdit="1"/>
+          </p:cNvSpPr>
+          <p:nvPr>
+            <p:extLst>
+              <p:ext uri="{386F3935-93C4-4BCD-93E2-E3B085C9AB24}">
+                <p16:designElem xmlns:p16="http://schemas.microsoft.com/office/powerpoint/2015/main" val="1"/>
+              </p:ext>
+            </p:extLst>
+          </p:nvPr>
+        </p:nvSpPr>
+        <p:spPr>
+          <a:xfrm>
+            <a:off x="0" y="0"/>
+            <a:ext cx="12192000" cy="6858000"/>
+          </a:xfrm>
+          <a:prstGeom prst="rect">
+            <a:avLst/>
+          </a:prstGeom>
+          <a:ln w="12700" cap="flat" cmpd="sng" algn="ctr">
+            <a:noFill/>
+            <a:prstDash val="solid"/>
+            <a:miter lim="800000"/>
+          </a:ln>
+          <a:effectLst/>
+          <a:extLst>
+            <a:ext uri="{91240B29-F687-4F45-9708-019B960494DF}">
+              <a14:hiddenLine xmlns:a14="http://schemas.microsoft.com/office/drawing/2010/main" w="12700" cap="flat" cmpd="sng" algn="ctr">
+                <a:solidFill>
+                  <a:schemeClr val="accent1">
+                    <a:shade val="50000"/>
+                  </a:schemeClr>
+                </a:solidFill>
+                <a:prstDash val="solid"/>
+                <a:miter lim="800000"/>
+              </a14:hiddenLine>
+            </a:ext>
+          </a:extLst>
+        </p:spPr>
+        <p:style>
+          <a:lnRef idx="2">
+            <a:schemeClr val="accent1">
+              <a:shade val="50000"/>
+            </a:schemeClr>
+          </a:lnRef>
+          <a:fillRef idx="1">
+            <a:schemeClr val="accent1"/>
+          </a:fillRef>
+          <a:effectRef idx="0">
+            <a:schemeClr val="accent1"/>
+          </a:effectRef>
+          <a:fontRef idx="minor">
+            <a:schemeClr val="lt1"/>
+          </a:fontRef>
+        </p:style>
+        <p:txBody>
+          <a:bodyPr rtlCol="0" anchor="ctr"/>
+          <a:lstStyle/>
+          <a:p>
+            <a:pPr algn="ctr"/>
+            <a:endParaRPr lang="en-US"/>
+          </a:p>
+        </p:txBody>
+      </p:sp>
+      <p:sp>
+        <p:nvSpPr>
+          <p:cNvPr id="11" name="Rectangle 10">
+            <a:extLst>
+              <a:ext uri="{FF2B5EF4-FFF2-40B4-BE49-F238E27FC236}">
+                <a16:creationId xmlns:a16="http://schemas.microsoft.com/office/drawing/2014/main" id="{F68B3F68-107C-434F-AA38-110D5EA91B85}"/>
+              </a:ext>
+              <a:ext uri="{C183D7F6-B498-43B3-948B-1728B52AA6E4}">
+                <adec:decorative xmlns:adec="http://schemas.microsoft.com/office/drawing/2017/decorative" val="1"/>
+              </a:ext>
+            </a:extLst>
+          </p:cNvPr>
+          <p:cNvSpPr>
+            <a:spLocks noGrp="1" noRot="1" noChangeAspect="1" noMove="1" noResize="1" noEditPoints="1" noAdjustHandles="1" noChangeArrowheads="1" noChangeShapeType="1" noTextEdit="1"/>
+          </p:cNvSpPr>
+          <p:nvPr>
+            <p:extLst>
+              <p:ext uri="{386F3935-93C4-4BCD-93E2-E3B085C9AB24}">
+                <p16:designElem xmlns:p16="http://schemas.microsoft.com/office/powerpoint/2015/main" val="1"/>
+              </p:ext>
+            </p:extLst>
+          </p:nvPr>
+        </p:nvSpPr>
+        <p:spPr>
+          <a:xfrm flipH="1">
+            <a:off x="2" y="0"/>
+            <a:ext cx="12191998" cy="1575955"/>
+          </a:xfrm>
+          <a:prstGeom prst="rect">
+            <a:avLst/>
+          </a:prstGeom>
+          <a:gradFill>
+            <a:gsLst>
+              <a:gs pos="0">
+                <a:srgbClr val="000000">
+                  <a:alpha val="96000"/>
+                </a:srgbClr>
+              </a:gs>
+              <a:gs pos="100000">
+                <a:schemeClr val="accent1">
+                  <a:lumMod val="75000"/>
+                </a:schemeClr>
+              </a:gs>
+            </a:gsLst>
+            <a:lin ang="8400000" scaled="0"/>
+          </a:gradFill>
+          <a:ln>
+            <a:noFill/>
+          </a:ln>
+        </p:spPr>
+        <p:style>
+          <a:lnRef idx="2">
+            <a:schemeClr val="accent1">
+              <a:shade val="50000"/>
+            </a:schemeClr>
+          </a:lnRef>
+          <a:fillRef idx="1">
+            <a:schemeClr val="accent1"/>
+          </a:fillRef>
+          <a:effectRef idx="0">
+            <a:schemeClr val="accent1"/>
+          </a:effectRef>
+          <a:fontRef idx="minor">
+            <a:schemeClr val="lt1"/>
+          </a:fontRef>
+        </p:style>
+        <p:txBody>
+          <a:bodyPr rtlCol="0" anchor="ctr"/>
+          <a:lstStyle/>
+          <a:p>
+            <a:pPr algn="ctr"/>
+            <a:endParaRPr lang="en-US"/>
+          </a:p>
+        </p:txBody>
+      </p:sp>
+      <p:sp>
+        <p:nvSpPr>
+          <p:cNvPr id="13" name="Rectangle 12">
+            <a:extLst>
+              <a:ext uri="{FF2B5EF4-FFF2-40B4-BE49-F238E27FC236}">
+                <a16:creationId xmlns:a16="http://schemas.microsoft.com/office/drawing/2014/main" id="{AAD0DBB9-1A4B-4391-81D4-CB19F9AB918A}"/>
+              </a:ext>
+              <a:ext uri="{C183D7F6-B498-43B3-948B-1728B52AA6E4}">
+                <adec:decorative xmlns:adec="http://schemas.microsoft.com/office/drawing/2017/decorative" val="1"/>
+              </a:ext>
+            </a:extLst>
+          </p:cNvPr>
+          <p:cNvSpPr>
+            <a:spLocks noGrp="1" noRot="1" noChangeAspect="1" noMove="1" noResize="1" noEditPoints="1" noAdjustHandles="1" noChangeArrowheads="1" noChangeShapeType="1" noTextEdit="1"/>
+          </p:cNvSpPr>
+          <p:nvPr>
+            <p:extLst>
+              <p:ext uri="{386F3935-93C4-4BCD-93E2-E3B085C9AB24}">
+                <p16:designElem xmlns:p16="http://schemas.microsoft.com/office/powerpoint/2015/main" val="1"/>
+              </p:ext>
+            </p:extLst>
+          </p:nvPr>
+        </p:nvSpPr>
+        <p:spPr>
+          <a:xfrm rot="10800000" flipH="1">
+            <a:off x="8128857" y="0"/>
+            <a:ext cx="4063143" cy="1576412"/>
+          </a:xfrm>
+          <a:prstGeom prst="rect">
+            <a:avLst/>
+          </a:prstGeom>
+          <a:gradFill>
+            <a:gsLst>
+              <a:gs pos="19000">
+                <a:schemeClr val="accent1">
+                  <a:lumMod val="50000"/>
+                  <a:alpha val="68000"/>
+                </a:schemeClr>
+              </a:gs>
+              <a:gs pos="100000">
+                <a:schemeClr val="accent1">
+                  <a:alpha val="79000"/>
+                </a:schemeClr>
+              </a:gs>
+            </a:gsLst>
+            <a:lin ang="19200000" scaled="0"/>
+          </a:gradFill>
+          <a:ln>
+            <a:noFill/>
+          </a:ln>
+        </p:spPr>
+        <p:style>
+          <a:lnRef idx="2">
+            <a:schemeClr val="accent1">
+              <a:shade val="50000"/>
+            </a:schemeClr>
+          </a:lnRef>
+          <a:fillRef idx="1">
+            <a:schemeClr val="accent1"/>
+          </a:fillRef>
+          <a:effectRef idx="0">
+            <a:schemeClr val="accent1"/>
+          </a:effectRef>
+          <a:fontRef idx="minor">
+            <a:schemeClr val="lt1"/>
+          </a:fontRef>
+        </p:style>
+        <p:txBody>
+          <a:bodyPr rtlCol="0" anchor="ctr"/>
+          <a:lstStyle/>
+          <a:p>
+            <a:pPr algn="ctr"/>
+            <a:endParaRPr lang="en-US"/>
+          </a:p>
+        </p:txBody>
+      </p:sp>
+      <p:sp>
+        <p:nvSpPr>
+          <p:cNvPr id="15" name="Rectangle 14">
+            <a:extLst>
+              <a:ext uri="{FF2B5EF4-FFF2-40B4-BE49-F238E27FC236}">
+                <a16:creationId xmlns:a16="http://schemas.microsoft.com/office/drawing/2014/main" id="{063BBA22-50EA-4C4D-BE05-F1CE4E63AA56}"/>
+              </a:ext>
+              <a:ext uri="{C183D7F6-B498-43B3-948B-1728B52AA6E4}">
+                <adec:decorative xmlns:adec="http://schemas.microsoft.com/office/drawing/2017/decorative" val="1"/>
+              </a:ext>
+            </a:extLst>
+          </p:cNvPr>
+          <p:cNvSpPr>
+            <a:spLocks noGrp="1" noRot="1" noChangeAspect="1" noMove="1" noResize="1" noEditPoints="1" noAdjustHandles="1" noChangeArrowheads="1" noChangeShapeType="1" noTextEdit="1"/>
+          </p:cNvSpPr>
+          <p:nvPr>
+            <p:extLst>
+              <p:ext uri="{386F3935-93C4-4BCD-93E2-E3B085C9AB24}">
+                <p16:designElem xmlns:p16="http://schemas.microsoft.com/office/powerpoint/2015/main" val="1"/>
+              </p:ext>
+            </p:extLst>
+          </p:nvPr>
+        </p:nvSpPr>
+        <p:spPr>
+          <a:xfrm rot="5400000">
+            <a:off x="5307777" y="-5307778"/>
+            <a:ext cx="1576446" cy="12192002"/>
+          </a:xfrm>
+          <a:prstGeom prst="rect">
+            <a:avLst/>
+          </a:prstGeom>
+          <a:gradFill>
+            <a:gsLst>
+              <a:gs pos="23000">
+                <a:schemeClr val="accent1">
+                  <a:alpha val="0"/>
+                </a:schemeClr>
+              </a:gs>
+              <a:gs pos="99000">
+                <a:srgbClr val="000000">
+                  <a:alpha val="74000"/>
+                </a:srgbClr>
+              </a:gs>
+            </a:gsLst>
+            <a:lin ang="20400000" scaled="0"/>
+          </a:gradFill>
+          <a:ln>
+            <a:noFill/>
+          </a:ln>
+        </p:spPr>
+        <p:style>
+          <a:lnRef idx="2">
+            <a:schemeClr val="accent1">
+              <a:shade val="50000"/>
+            </a:schemeClr>
+          </a:lnRef>
+          <a:fillRef idx="1">
+            <a:schemeClr val="accent1"/>
+          </a:fillRef>
+          <a:effectRef idx="0">
+            <a:schemeClr val="accent1"/>
+          </a:effectRef>
+          <a:fontRef idx="minor">
+            <a:schemeClr val="lt1"/>
+          </a:fontRef>
+        </p:style>
+        <p:txBody>
+          <a:bodyPr rtlCol="0" anchor="ctr"/>
+          <a:lstStyle/>
+          <a:p>
+            <a:pPr algn="ctr"/>
+            <a:endParaRPr lang="en-US" dirty="0"/>
+          </a:p>
+        </p:txBody>
+      </p:sp>
+      <p:sp>
+        <p:nvSpPr>
+          <p:cNvPr id="2" name="Заголовок 1">
+            <a:extLst>
+              <a:ext uri="{FF2B5EF4-FFF2-40B4-BE49-F238E27FC236}">
+                <a16:creationId xmlns:a16="http://schemas.microsoft.com/office/drawing/2014/main" id="{F56FFABF-13EA-67A7-EA44-D3A98CBDB93E}"/>
+              </a:ext>
+            </a:extLst>
+          </p:cNvPr>
+          <p:cNvSpPr>
+            <a:spLocks noGrp="1"/>
+          </p:cNvSpPr>
+          <p:nvPr>
+            <p:ph type="title"/>
+          </p:nvPr>
+        </p:nvSpPr>
+        <p:spPr>
+          <a:xfrm>
+            <a:off x="1371597" y="348865"/>
+            <a:ext cx="10044023" cy="877729"/>
+          </a:xfrm>
+        </p:spPr>
+        <p:txBody>
+          <a:bodyPr anchor="ctr">
+            <a:normAutofit/>
+          </a:bodyPr>
+          <a:lstStyle/>
+          <a:p>
+            <a:r>
+              <a:rPr lang="ru-RU" sz="4000">
+                <a:solidFill>
+                  <a:srgbClr val="FFFFFF"/>
+                </a:solidFill>
+              </a:rPr>
+              <a:t>Источники информации</a:t>
+            </a:r>
+          </a:p>
+        </p:txBody>
+      </p:sp>
+      <p:graphicFrame>
+        <p:nvGraphicFramePr>
+          <p:cNvPr id="5" name="Объект 2">
+            <a:extLst>
+              <a:ext uri="{FF2B5EF4-FFF2-40B4-BE49-F238E27FC236}">
+                <a16:creationId xmlns:a16="http://schemas.microsoft.com/office/drawing/2014/main" id="{9A4EA087-BD40-EADE-0EC2-09F6D1A07F06}"/>
+              </a:ext>
+            </a:extLst>
+          </p:cNvPr>
+          <p:cNvGraphicFramePr>
+            <a:graphicFrameLocks noGrp="1"/>
+          </p:cNvGraphicFramePr>
+          <p:nvPr>
+            <p:ph idx="1"/>
+            <p:extLst>
+              <p:ext uri="{D42A27DB-BD31-4B8C-83A1-F6EECF244321}">
+                <p14:modId xmlns:p14="http://schemas.microsoft.com/office/powerpoint/2010/main" val="3323556465"/>
+              </p:ext>
+            </p:extLst>
+          </p:nvPr>
+        </p:nvGraphicFramePr>
+        <p:xfrm>
+          <a:off x="644056" y="2112579"/>
+          <a:ext cx="10927829" cy="4192805"/>
+        </p:xfrm>
+        <a:graphic>
+          <a:graphicData uri="http://schemas.openxmlformats.org/drawingml/2006/diagram">
+            <dgm:relIds xmlns:dgm="http://schemas.openxmlformats.org/drawingml/2006/diagram" xmlns:r="http://schemas.openxmlformats.org/officeDocument/2006/relationships" r:dm="rId2" r:lo="rId3" r:qs="rId4" r:cs="rId5"/>
+          </a:graphicData>
+        </a:graphic>
+      </p:graphicFrame>
+    </p:spTree>
+    <p:extLst>
+      <p:ext uri="{BB962C8B-B14F-4D97-AF65-F5344CB8AC3E}">
+        <p14:creationId xmlns:p14="http://schemas.microsoft.com/office/powerpoint/2010/main" val="1485086911"/>
+      </p:ext>
+    </p:extLst>
+  </p:cSld>
+  <p:clrMapOvr>
+    <a:masterClrMapping/>
+  </p:clrMapOvr>
+</p:sld>
+</file>
+
+<file path=ppt/slides/slide12.xml><?xml version="1.0" encoding="utf-8"?>
+<p:sld xmlns:a="http://schemas.openxmlformats.org/drawingml/2006/main" xmlns:r="http://schemas.openxmlformats.org/officeDocument/2006/relationships" xmlns:p="http://schemas.openxmlformats.org/presentationml/2006/main">
+  <p:cSld>
+    <p:spTree>
+      <p:nvGrpSpPr>
+        <p:cNvPr id="1" name=""/>
+        <p:cNvGrpSpPr/>
+        <p:nvPr/>
+      </p:nvGrpSpPr>
+      <p:grpSpPr>
+        <a:xfrm>
+          <a:off x="0" y="0"/>
+          <a:ext cx="0" cy="0"/>
+          <a:chOff x="0" y="0"/>
+          <a:chExt cx="0" cy="0"/>
+        </a:xfrm>
+      </p:grpSpPr>
+      <p:sp>
+        <p:nvSpPr>
+          <p:cNvPr id="2" name="Заголовок 1">
+            <a:extLst>
+              <a:ext uri="{FF2B5EF4-FFF2-40B4-BE49-F238E27FC236}">
+                <a16:creationId xmlns:a16="http://schemas.microsoft.com/office/drawing/2014/main" id="{B1E9DEF7-632B-C26B-FE8E-11F950FFCED4}"/>
+              </a:ext>
+            </a:extLst>
+          </p:cNvPr>
+          <p:cNvSpPr>
+            <a:spLocks noGrp="1"/>
+          </p:cNvSpPr>
+          <p:nvPr>
+            <p:ph type="title"/>
+          </p:nvPr>
+        </p:nvSpPr>
+        <p:spPr>
+          <a:xfrm>
+            <a:off x="838200" y="943939"/>
+            <a:ext cx="10515600" cy="1325563"/>
+          </a:xfrm>
+        </p:spPr>
+        <p:txBody>
+          <a:bodyPr>
+            <a:normAutofit fontScale="90000"/>
+          </a:bodyPr>
+          <a:lstStyle/>
+          <a:p>
+            <a:pPr marL="0" marR="0" lvl="0" indent="0" defTabSz="914400" rtl="0" eaLnBrk="0" fontAlgn="base" latinLnBrk="0" hangingPunct="0">
+              <a:lnSpc>
+                <a:spcPct val="100000"/>
+              </a:lnSpc>
+              <a:spcBef>
+                <a:spcPct val="0"/>
+              </a:spcBef>
+              <a:spcAft>
+                <a:spcPct val="0"/>
+              </a:spcAft>
+              <a:tabLst/>
+            </a:pPr>
+            <a:r>
+              <a:rPr kumimoji="0" lang="ru-RU" altLang="ru-RU" sz="4400" b="0" i="0" u="none" strike="noStrike" cap="none" normalizeH="0" baseline="0" dirty="0">
+                <a:ln>
+                  <a:noFill/>
+                </a:ln>
+                <a:solidFill>
+                  <a:schemeClr val="tx1"/>
+                </a:solidFill>
+                <a:effectLst/>
+                <a:latin typeface="Times New Roman" panose="02020603050405020304" pitchFamily="18" charset="0"/>
+                <a:ea typeface="Calibri" panose="020F0502020204030204" pitchFamily="34" charset="0"/>
+                <a:cs typeface="Times New Roman" panose="02020603050405020304" pitchFamily="18" charset="0"/>
+              </a:rPr>
+              <a:t>Данные о тарифах берутся из сайта Якутскэнерго</a:t>
+            </a:r>
+            <a:br>
+              <a:rPr kumimoji="0" lang="ru-RU" altLang="ru-RU" sz="4400" b="0" i="0" u="none" strike="noStrike" cap="none" normalizeH="0" baseline="0" dirty="0">
+                <a:ln>
+                  <a:noFill/>
+                </a:ln>
+                <a:solidFill>
+                  <a:schemeClr val="tx1"/>
+                </a:solidFill>
+                <a:effectLst/>
+                <a:latin typeface="Times New Roman" panose="02020603050405020304" pitchFamily="18" charset="0"/>
+                <a:ea typeface="Calibri" panose="020F0502020204030204" pitchFamily="34" charset="0"/>
+                <a:cs typeface="Times New Roman" panose="02020603050405020304" pitchFamily="18" charset="0"/>
+                <a:hlinkClick r:id="rId2"/>
+              </a:rPr>
+            </a:br>
+            <a:br>
+              <a:rPr kumimoji="0" lang="ru-RU" altLang="ru-RU" sz="6000" b="0" i="0" u="none" strike="noStrike" cap="none" normalizeH="0" baseline="0" dirty="0">
+                <a:ln>
+                  <a:noFill/>
+                </a:ln>
+                <a:solidFill>
+                  <a:schemeClr val="tx1"/>
+                </a:solidFill>
+                <a:effectLst/>
+                <a:latin typeface="Arial" panose="020B0604020202020204" pitchFamily="34" charset="0"/>
+              </a:rPr>
+            </a:br>
+            <a:endParaRPr lang="ru-RU" dirty="0"/>
+          </a:p>
+        </p:txBody>
+      </p:sp>
+      <p:sp>
+        <p:nvSpPr>
+          <p:cNvPr id="3" name="Объект 2">
+            <a:extLst>
+              <a:ext uri="{FF2B5EF4-FFF2-40B4-BE49-F238E27FC236}">
+                <a16:creationId xmlns:a16="http://schemas.microsoft.com/office/drawing/2014/main" id="{7269EF12-EE55-8F72-A4D8-0FE7FF0B2D36}"/>
+              </a:ext>
+            </a:extLst>
+          </p:cNvPr>
+          <p:cNvSpPr>
+            <a:spLocks noGrp="1"/>
+          </p:cNvSpPr>
+          <p:nvPr>
+            <p:ph idx="1"/>
+          </p:nvPr>
+        </p:nvSpPr>
+        <p:spPr/>
+        <p:txBody>
+          <a:bodyPr/>
+          <a:lstStyle/>
+          <a:p>
+            <a:r>
+              <a:rPr kumimoji="0" lang="ru-RU" altLang="ru-RU" sz="2800" b="0" i="0" u="none" strike="noStrike" cap="none" normalizeH="0" baseline="0" dirty="0">
+                <a:ln>
+                  <a:noFill/>
+                </a:ln>
+                <a:solidFill>
+                  <a:schemeClr val="tx1"/>
+                </a:solidFill>
+                <a:effectLst/>
+                <a:latin typeface="Times New Roman" panose="02020603050405020304" pitchFamily="18" charset="0"/>
+                <a:ea typeface="Calibri" panose="020F0502020204030204" pitchFamily="34" charset="0"/>
+                <a:cs typeface="Times New Roman" panose="02020603050405020304" pitchFamily="18" charset="0"/>
+                <a:hlinkClick r:id="rId2"/>
+              </a:rPr>
+              <a:t>https://www.yakutskenergo.ru/opening_information/reg_goods/electro.php</a:t>
+            </a:r>
+            <a:endParaRPr kumimoji="0" lang="ru-RU" altLang="ru-RU" sz="2800" b="0" i="0" u="none" strike="noStrike" cap="none" normalizeH="0" baseline="0" dirty="0">
+              <a:ln>
+                <a:noFill/>
+              </a:ln>
+              <a:solidFill>
+                <a:schemeClr val="tx1"/>
+              </a:solidFill>
+              <a:effectLst/>
+              <a:latin typeface="Times New Roman" panose="02020603050405020304" pitchFamily="18" charset="0"/>
+              <a:ea typeface="Calibri" panose="020F0502020204030204" pitchFamily="34" charset="0"/>
+              <a:cs typeface="Times New Roman" panose="02020603050405020304" pitchFamily="18" charset="0"/>
+            </a:endParaRPr>
+          </a:p>
+          <a:p>
+            <a:r>
+              <a:rPr lang="ru-RU" dirty="0">
+                <a:latin typeface="Times New Roman" panose="02020603050405020304" pitchFamily="18" charset="0"/>
+                <a:cs typeface="Times New Roman" panose="02020603050405020304" pitchFamily="18" charset="0"/>
+              </a:rPr>
+              <a:t>Пример, взятый для вычислений показаний счетчика на одного человека. </a:t>
+            </a:r>
+            <a:endParaRPr lang="ru-RU" dirty="0"/>
+          </a:p>
+        </p:txBody>
+      </p:sp>
+      <p:sp>
+        <p:nvSpPr>
+          <p:cNvPr id="4" name="Rectangle 3">
+            <a:extLst>
+              <a:ext uri="{FF2B5EF4-FFF2-40B4-BE49-F238E27FC236}">
+                <a16:creationId xmlns:a16="http://schemas.microsoft.com/office/drawing/2014/main" id="{6040C9C4-FA9F-EA09-5F91-8391809E6BD8}"/>
+              </a:ext>
+            </a:extLst>
+          </p:cNvPr>
+          <p:cNvSpPr>
+            <a:spLocks noChangeArrowheads="1"/>
+          </p:cNvSpPr>
+          <p:nvPr/>
+        </p:nvSpPr>
+        <p:spPr bwMode="auto">
+          <a:xfrm>
+            <a:off x="0" y="0"/>
+            <a:ext cx="12192000" cy="457200"/>
+          </a:xfrm>
+          <a:prstGeom prst="rect">
+            <a:avLst/>
+          </a:prstGeom>
+          <a:noFill/>
+          <a:ln>
+            <a:noFill/>
+          </a:ln>
+          <a:effectLst/>
+          <a:extLst>
+            <a:ext uri="{909E8E84-426E-40DD-AFC4-6F175D3DCCD1}">
+              <a14:hiddenFill xmlns:a14="http://schemas.microsoft.com/office/drawing/2010/main">
+                <a:solidFill>
+                  <a:schemeClr val="accent1"/>
+                </a:solidFill>
+              </a14:hiddenFill>
+            </a:ext>
+            <a:ext uri="{91240B29-F687-4F45-9708-019B960494DF}">
+              <a14:hiddenLine xmlns:a14="http://schemas.microsoft.com/office/drawing/2010/main" w="9525">
+                <a:solidFill>
+                  <a:schemeClr val="tx1"/>
+                </a:solidFill>
+                <a:miter lim="800000"/>
+                <a:headEnd/>
+                <a:tailEnd/>
+              </a14:hiddenLine>
+            </a:ext>
+            <a:ext uri="{AF507438-7753-43E0-B8FC-AC1667EBCBE1}">
+              <a14:hiddenEffects xmlns:a14="http://schemas.microsoft.com/office/drawing/2010/main">
+                <a:effectLst>
+                  <a:outerShdw dist="35921" dir="2700000" algn="ctr" rotWithShape="0">
+                    <a:schemeClr val="bg2"/>
+                  </a:outerShdw>
+                </a:effectLst>
+              </a14:hiddenEffects>
+            </a:ext>
+          </a:extLst>
+        </p:spPr>
+        <p:txBody>
+          <a:bodyPr vert="horz" wrap="none" lIns="91440" tIns="45720" rIns="91440" bIns="45720" numCol="1" anchor="ctr" anchorCtr="0" compatLnSpc="1">
+            <a:prstTxWarp prst="textNoShape">
+              <a:avLst/>
+            </a:prstTxWarp>
+            <a:spAutoFit/>
+          </a:bodyPr>
+          <a:lstStyle/>
+          <a:p>
+            <a:endParaRPr lang="ru-RU"/>
+          </a:p>
+        </p:txBody>
+      </p:sp>
+      <p:pic>
+        <p:nvPicPr>
+          <p:cNvPr id="6" name="Рисунок 2">
+            <a:extLst>
+              <a:ext uri="{FF2B5EF4-FFF2-40B4-BE49-F238E27FC236}">
+                <a16:creationId xmlns:a16="http://schemas.microsoft.com/office/drawing/2014/main" id="{18AEFFC3-2010-2FDD-0376-C36BB6EF2103}"/>
+              </a:ext>
+            </a:extLst>
+          </p:cNvPr>
+          <p:cNvPicPr>
+            <a:picLocks noChangeAspect="1" noChangeArrowheads="1"/>
+          </p:cNvPicPr>
+          <p:nvPr/>
+        </p:nvPicPr>
+        <p:blipFill>
+          <a:blip r:embed="rId3">
+            <a:extLst>
+              <a:ext uri="{28A0092B-C50C-407E-A947-70E740481C1C}">
+                <a14:useLocalDpi xmlns:a14="http://schemas.microsoft.com/office/drawing/2010/main" val="0"/>
+              </a:ext>
+            </a:extLst>
+          </a:blip>
+          <a:srcRect/>
+          <a:stretch>
+            <a:fillRect/>
+          </a:stretch>
+        </p:blipFill>
+        <p:spPr bwMode="auto">
+          <a:xfrm>
+            <a:off x="3961566" y="3436937"/>
+            <a:ext cx="2209800" cy="2941638"/>
+          </a:xfrm>
+          <a:prstGeom prst="rect">
+            <a:avLst/>
+          </a:prstGeom>
+          <a:noFill/>
+          <a:extLst>
+            <a:ext uri="{909E8E84-426E-40DD-AFC4-6F175D3DCCD1}">
+              <a14:hiddenFill xmlns:a14="http://schemas.microsoft.com/office/drawing/2010/main">
+                <a:solidFill>
+                  <a:srgbClr val="FFFFFF"/>
+                </a:solidFill>
+              </a14:hiddenFill>
+            </a:ext>
+          </a:extLst>
+        </p:spPr>
+      </p:pic>
+      <p:pic>
+        <p:nvPicPr>
+          <p:cNvPr id="7" name="Рисунок 3">
+            <a:extLst>
+              <a:ext uri="{FF2B5EF4-FFF2-40B4-BE49-F238E27FC236}">
+                <a16:creationId xmlns:a16="http://schemas.microsoft.com/office/drawing/2014/main" id="{0619F369-98B3-F90B-29EF-2658C9BB2B48}"/>
+              </a:ext>
+            </a:extLst>
+          </p:cNvPr>
+          <p:cNvPicPr>
+            <a:picLocks noChangeAspect="1" noChangeArrowheads="1"/>
+          </p:cNvPicPr>
+          <p:nvPr/>
+        </p:nvPicPr>
+        <p:blipFill>
+          <a:blip r:embed="rId4">
+            <a:extLst>
+              <a:ext uri="{28A0092B-C50C-407E-A947-70E740481C1C}">
+                <a14:useLocalDpi xmlns:a14="http://schemas.microsoft.com/office/drawing/2010/main" val="0"/>
+              </a:ext>
+            </a:extLst>
+          </a:blip>
+          <a:srcRect t="23215"/>
+          <a:stretch>
+            <a:fillRect/>
+          </a:stretch>
+        </p:blipFill>
+        <p:spPr bwMode="auto">
+          <a:xfrm>
+            <a:off x="6171366" y="3429000"/>
+            <a:ext cx="2887663" cy="2949575"/>
+          </a:xfrm>
+          <a:prstGeom prst="rect">
+            <a:avLst/>
+          </a:prstGeom>
+          <a:noFill/>
+          <a:extLst>
+            <a:ext uri="{909E8E84-426E-40DD-AFC4-6F175D3DCCD1}">
+              <a14:hiddenFill xmlns:a14="http://schemas.microsoft.com/office/drawing/2010/main">
+                <a:solidFill>
+                  <a:srgbClr val="FFFFFF"/>
+                </a:solidFill>
+              </a14:hiddenFill>
+            </a:ext>
+          </a:extLst>
+        </p:spPr>
+      </p:pic>
+    </p:spTree>
+    <p:extLst>
+      <p:ext uri="{BB962C8B-B14F-4D97-AF65-F5344CB8AC3E}">
+        <p14:creationId xmlns:p14="http://schemas.microsoft.com/office/powerpoint/2010/main" val="3986498858"/>
+      </p:ext>
+    </p:extLst>
+  </p:cSld>
+  <p:clrMapOvr>
+    <a:masterClrMapping/>
+  </p:clrMapOvr>
+</p:sld>
+</file>
+
 <file path=ppt/slides/slide2.xml><?xml version="1.0" encoding="utf-8"?>
 <p:sld xmlns:a="http://schemas.openxmlformats.org/drawingml/2006/main" xmlns:r="http://schemas.openxmlformats.org/officeDocument/2006/relationships" xmlns:p="http://schemas.openxmlformats.org/presentationml/2006/main">
   <p:cSld>

--- a/презентация разработчик.pptx
+++ b/презентация разработчик.pptx
@@ -17,6 +17,7 @@
     <p:sldId id="264" r:id="rId11"/>
     <p:sldId id="266" r:id="rId12"/>
     <p:sldId id="267" r:id="rId13"/>
+    <p:sldId id="268" r:id="rId14"/>
   </p:sldIdLst>
   <p:sldSz cx="12192000" cy="6858000"/>
   <p:notesSz cx="6858000" cy="9144000"/>
@@ -5868,10 +5869,10 @@
         <a:lstStyle/>
         <a:p>
           <a:r>
-            <a:rPr lang="ru-RU"/>
+            <a:rPr lang="ru-RU" dirty="0"/>
             <a:t>Короче ЖКХ.</a:t>
           </a:r>
-          <a:endParaRPr lang="en-US"/>
+          <a:endParaRPr lang="en-US" dirty="0"/>
         </a:p>
       </dgm:t>
     </dgm:pt>
@@ -8070,10 +8071,10 @@
             <a:buNone/>
           </a:pPr>
           <a:r>
-            <a:rPr lang="ru-RU" sz="1200" kern="1200"/>
+            <a:rPr lang="ru-RU" sz="1200" kern="1200" dirty="0"/>
             <a:t>Короче ЖКХ.</a:t>
           </a:r>
-          <a:endParaRPr lang="en-US" sz="1200" kern="1200"/>
+          <a:endParaRPr lang="en-US" sz="1200" kern="1200" dirty="0"/>
         </a:p>
       </dsp:txBody>
       <dsp:txXfrm>
@@ -19547,6 +19548,182 @@
 </p:sld>
 </file>
 
+<file path=ppt/slides/slide13.xml><?xml version="1.0" encoding="utf-8"?>
+<p:sld xmlns:a="http://schemas.openxmlformats.org/drawingml/2006/main" xmlns:r="http://schemas.openxmlformats.org/officeDocument/2006/relationships" xmlns:p="http://schemas.openxmlformats.org/presentationml/2006/main">
+  <p:cSld>
+    <p:bg>
+      <p:bgPr>
+        <a:solidFill>
+          <a:schemeClr val="bg1"/>
+        </a:solidFill>
+        <a:effectLst/>
+      </p:bgPr>
+    </p:bg>
+    <p:spTree>
+      <p:nvGrpSpPr>
+        <p:cNvPr id="1" name=""/>
+        <p:cNvGrpSpPr/>
+        <p:nvPr/>
+      </p:nvGrpSpPr>
+      <p:grpSpPr>
+        <a:xfrm>
+          <a:off x="0" y="0"/>
+          <a:ext cx="0" cy="0"/>
+          <a:chOff x="0" y="0"/>
+          <a:chExt cx="0" cy="0"/>
+        </a:xfrm>
+      </p:grpSpPr>
+      <p:sp>
+        <p:nvSpPr>
+          <p:cNvPr id="10" name="Rectangle 9">
+            <a:extLst>
+              <a:ext uri="{FF2B5EF4-FFF2-40B4-BE49-F238E27FC236}">
+                <a16:creationId xmlns:a16="http://schemas.microsoft.com/office/drawing/2014/main" id="{A4AC5506-6312-4701-8D3C-40187889A947}"/>
+              </a:ext>
+              <a:ext uri="{C183D7F6-B498-43B3-948B-1728B52AA6E4}">
+                <adec:decorative xmlns:adec="http://schemas.microsoft.com/office/drawing/2017/decorative" val="1"/>
+              </a:ext>
+            </a:extLst>
+          </p:cNvPr>
+          <p:cNvSpPr>
+            <a:spLocks noGrp="1" noRot="1" noChangeAspect="1" noMove="1" noResize="1" noEditPoints="1" noAdjustHandles="1" noChangeArrowheads="1" noChangeShapeType="1" noTextEdit="1"/>
+          </p:cNvSpPr>
+          <p:nvPr>
+            <p:extLst>
+              <p:ext uri="{386F3935-93C4-4BCD-93E2-E3B085C9AB24}">
+                <p16:designElem xmlns:p16="http://schemas.microsoft.com/office/powerpoint/2015/main" val="1"/>
+              </p:ext>
+            </p:extLst>
+          </p:nvPr>
+        </p:nvSpPr>
+        <p:spPr>
+          <a:xfrm>
+            <a:off x="0" y="651752"/>
+            <a:ext cx="12192000" cy="736551"/>
+          </a:xfrm>
+          <a:prstGeom prst="rect">
+            <a:avLst/>
+          </a:prstGeom>
+          <a:solidFill>
+            <a:schemeClr val="tx1"/>
+          </a:solidFill>
+          <a:ln>
+            <a:noFill/>
+          </a:ln>
+        </p:spPr>
+        <p:style>
+          <a:lnRef idx="2">
+            <a:schemeClr val="accent1">
+              <a:shade val="50000"/>
+            </a:schemeClr>
+          </a:lnRef>
+          <a:fillRef idx="1">
+            <a:schemeClr val="accent1"/>
+          </a:fillRef>
+          <a:effectRef idx="0">
+            <a:schemeClr val="accent1"/>
+          </a:effectRef>
+          <a:fontRef idx="minor">
+            <a:schemeClr val="lt1"/>
+          </a:fontRef>
+        </p:style>
+        <p:txBody>
+          <a:bodyPr rtlCol="0" anchor="ctr"/>
+          <a:lstStyle/>
+          <a:p>
+            <a:pPr algn="ctr"/>
+            <a:endParaRPr lang="en-US"/>
+          </a:p>
+        </p:txBody>
+      </p:sp>
+      <p:sp>
+        <p:nvSpPr>
+          <p:cNvPr id="2" name="Заголовок 1">
+            <a:extLst>
+              <a:ext uri="{FF2B5EF4-FFF2-40B4-BE49-F238E27FC236}">
+                <a16:creationId xmlns:a16="http://schemas.microsoft.com/office/drawing/2014/main" id="{7C4CDE87-EF0B-CA79-06A5-3760839EDFA6}"/>
+              </a:ext>
+            </a:extLst>
+          </p:cNvPr>
+          <p:cNvSpPr>
+            <a:spLocks noGrp="1"/>
+          </p:cNvSpPr>
+          <p:nvPr>
+            <p:ph type="title"/>
+          </p:nvPr>
+        </p:nvSpPr>
+        <p:spPr>
+          <a:xfrm>
+            <a:off x="556532" y="643467"/>
+            <a:ext cx="11210925" cy="744836"/>
+          </a:xfrm>
+        </p:spPr>
+        <p:txBody>
+          <a:bodyPr vert="horz" lIns="91440" tIns="45720" rIns="91440" bIns="45720" rtlCol="0" anchor="ctr">
+            <a:normAutofit/>
+          </a:bodyPr>
+          <a:lstStyle/>
+          <a:p>
+            <a:pPr algn="ctr"/>
+            <a:r>
+              <a:rPr lang="en-US" sz="2700" kern="1200">
+                <a:solidFill>
+                  <a:schemeClr val="bg1"/>
+                </a:solidFill>
+                <a:latin typeface="+mj-lt"/>
+                <a:ea typeface="+mj-ea"/>
+                <a:cs typeface="+mj-cs"/>
+              </a:rPr>
+              <a:t>SQL-запрос для вычисления среднего количества людей в каждом доме</a:t>
+            </a:r>
+          </a:p>
+        </p:txBody>
+      </p:sp>
+      <p:pic>
+        <p:nvPicPr>
+          <p:cNvPr id="5" name="Объект 4">
+            <a:extLst>
+              <a:ext uri="{FF2B5EF4-FFF2-40B4-BE49-F238E27FC236}">
+                <a16:creationId xmlns:a16="http://schemas.microsoft.com/office/drawing/2014/main" id="{EF80E081-4EB7-2825-A73E-63BAE534EF53}"/>
+              </a:ext>
+            </a:extLst>
+          </p:cNvPr>
+          <p:cNvPicPr>
+            <a:picLocks noGrp="1" noChangeAspect="1"/>
+          </p:cNvPicPr>
+          <p:nvPr>
+            <p:ph idx="1"/>
+          </p:nvPr>
+        </p:nvPicPr>
+        <p:blipFill>
+          <a:blip r:embed="rId2"/>
+          <a:stretch>
+            <a:fillRect/>
+          </a:stretch>
+        </p:blipFill>
+        <p:spPr>
+          <a:xfrm>
+            <a:off x="643467" y="1968080"/>
+            <a:ext cx="10905066" cy="3808493"/>
+          </a:xfrm>
+          <a:prstGeom prst="rect">
+            <a:avLst/>
+          </a:prstGeom>
+        </p:spPr>
+      </p:pic>
+    </p:spTree>
+    <p:extLst>
+      <p:ext uri="{BB962C8B-B14F-4D97-AF65-F5344CB8AC3E}">
+        <p14:creationId xmlns:p14="http://schemas.microsoft.com/office/powerpoint/2010/main" val="3928516611"/>
+      </p:ext>
+    </p:extLst>
+  </p:cSld>
+  <p:clrMapOvr>
+    <a:masterClrMapping/>
+  </p:clrMapOvr>
+</p:sld>
+</file>
+
 <file path=ppt/slides/slide2.xml><?xml version="1.0" encoding="utf-8"?>
 <p:sld xmlns:a="http://schemas.openxmlformats.org/drawingml/2006/main" xmlns:r="http://schemas.openxmlformats.org/officeDocument/2006/relationships" xmlns:p="http://schemas.openxmlformats.org/presentationml/2006/main">
   <p:cSld>

--- a/презентация разработчик.pptx
+++ b/презентация разработчик.pptx
@@ -21,6 +21,7 @@
     <p:sldId id="266" r:id="rId15"/>
     <p:sldId id="267" r:id="rId16"/>
     <p:sldId id="268" r:id="rId17"/>
+    <p:sldId id="272" r:id="rId18"/>
   </p:sldIdLst>
   <p:sldSz cx="12192000" cy="6858000"/>
   <p:notesSz cx="6858000" cy="9144000"/>
@@ -33841,6 +33842,673 @@
 </p:sld>
 </file>
 
+<file path=ppt/slides/slide17.xml><?xml version="1.0" encoding="utf-8"?>
+<p:sld xmlns:a="http://schemas.openxmlformats.org/drawingml/2006/main" xmlns:r="http://schemas.openxmlformats.org/officeDocument/2006/relationships" xmlns:p="http://schemas.openxmlformats.org/presentationml/2006/main">
+  <p:cSld>
+    <p:bg>
+      <p:bgPr>
+        <a:solidFill>
+          <a:schemeClr val="bg1"/>
+        </a:solidFill>
+        <a:effectLst/>
+      </p:bgPr>
+    </p:bg>
+    <p:spTree>
+      <p:nvGrpSpPr>
+        <p:cNvPr id="1" name=""/>
+        <p:cNvGrpSpPr/>
+        <p:nvPr/>
+      </p:nvGrpSpPr>
+      <p:grpSpPr>
+        <a:xfrm>
+          <a:off x="0" y="0"/>
+          <a:ext cx="0" cy="0"/>
+          <a:chOff x="0" y="0"/>
+          <a:chExt cx="0" cy="0"/>
+        </a:xfrm>
+      </p:grpSpPr>
+      <p:sp useBgFill="1">
+        <p:nvSpPr>
+          <p:cNvPr id="11" name="Rectangle 10">
+            <a:extLst>
+              <a:ext uri="{FF2B5EF4-FFF2-40B4-BE49-F238E27FC236}">
+                <a16:creationId xmlns:a16="http://schemas.microsoft.com/office/drawing/2014/main" id="{F13C74B1-5B17-4795-BED0-7140497B445A}"/>
+              </a:ext>
+              <a:ext uri="{C183D7F6-B498-43B3-948B-1728B52AA6E4}">
+                <adec:decorative xmlns:adec="http://schemas.microsoft.com/office/drawing/2017/decorative" val="1"/>
+              </a:ext>
+            </a:extLst>
+          </p:cNvPr>
+          <p:cNvSpPr>
+            <a:spLocks noGrp="1" noRot="1" noChangeAspect="1" noMove="1" noResize="1" noEditPoints="1" noAdjustHandles="1" noChangeArrowheads="1" noChangeShapeType="1" noTextEdit="1"/>
+          </p:cNvSpPr>
+          <p:nvPr>
+            <p:extLst>
+              <p:ext uri="{386F3935-93C4-4BCD-93E2-E3B085C9AB24}">
+                <p16:designElem xmlns:p16="http://schemas.microsoft.com/office/powerpoint/2015/main" val="1"/>
+              </p:ext>
+            </p:extLst>
+          </p:nvPr>
+        </p:nvSpPr>
+        <p:spPr>
+          <a:xfrm>
+            <a:off x="0" y="0"/>
+            <a:ext cx="12188952" cy="6858000"/>
+          </a:xfrm>
+          <a:prstGeom prst="rect">
+            <a:avLst/>
+          </a:prstGeom>
+          <a:ln>
+            <a:noFill/>
+          </a:ln>
+        </p:spPr>
+        <p:style>
+          <a:lnRef idx="2">
+            <a:schemeClr val="accent1">
+              <a:shade val="50000"/>
+            </a:schemeClr>
+          </a:lnRef>
+          <a:fillRef idx="1">
+            <a:schemeClr val="accent1"/>
+          </a:fillRef>
+          <a:effectRef idx="0">
+            <a:schemeClr val="accent1"/>
+          </a:effectRef>
+          <a:fontRef idx="minor">
+            <a:schemeClr val="lt1"/>
+          </a:fontRef>
+        </p:style>
+        <p:txBody>
+          <a:bodyPr rtlCol="0" anchor="ctr"/>
+          <a:lstStyle/>
+          <a:p>
+            <a:pPr algn="ctr"/>
+            <a:endParaRPr lang="en-US"/>
+          </a:p>
+        </p:txBody>
+      </p:sp>
+      <p:sp>
+        <p:nvSpPr>
+          <p:cNvPr id="2" name="Заголовок 1">
+            <a:extLst>
+              <a:ext uri="{FF2B5EF4-FFF2-40B4-BE49-F238E27FC236}">
+                <a16:creationId xmlns:a16="http://schemas.microsoft.com/office/drawing/2014/main" id="{3DC9B02C-964A-B5A3-680C-D1B7B18606B1}"/>
+              </a:ext>
+            </a:extLst>
+          </p:cNvPr>
+          <p:cNvSpPr>
+            <a:spLocks noGrp="1"/>
+          </p:cNvSpPr>
+          <p:nvPr>
+            <p:ph type="title"/>
+          </p:nvPr>
+        </p:nvSpPr>
+        <p:spPr>
+          <a:xfrm>
+            <a:off x="640080" y="325369"/>
+            <a:ext cx="4368602" cy="1956841"/>
+          </a:xfrm>
+        </p:spPr>
+        <p:txBody>
+          <a:bodyPr vert="horz" lIns="91440" tIns="45720" rIns="91440" bIns="45720" rtlCol="0" anchor="b">
+            <a:normAutofit/>
+          </a:bodyPr>
+          <a:lstStyle/>
+          <a:p>
+            <a:r>
+              <a:rPr lang="en-US" sz="5400"/>
+              <a:t>И снова SQL</a:t>
+            </a:r>
+          </a:p>
+        </p:txBody>
+      </p:sp>
+      <p:sp>
+        <p:nvSpPr>
+          <p:cNvPr id="13" name="sketchy line">
+            <a:extLst>
+              <a:ext uri="{FF2B5EF4-FFF2-40B4-BE49-F238E27FC236}">
+                <a16:creationId xmlns:a16="http://schemas.microsoft.com/office/drawing/2014/main" id="{D4974D33-8DC5-464E-8C6D-BE58F0669C17}"/>
+              </a:ext>
+              <a:ext uri="{C183D7F6-B498-43B3-948B-1728B52AA6E4}">
+                <adec:decorative xmlns:adec="http://schemas.microsoft.com/office/drawing/2017/decorative" val="1"/>
+              </a:ext>
+            </a:extLst>
+          </p:cNvPr>
+          <p:cNvSpPr>
+            <a:spLocks noGrp="1" noRot="1" noChangeAspect="1" noMove="1" noResize="1" noEditPoints="1" noAdjustHandles="1" noChangeArrowheads="1" noChangeShapeType="1" noTextEdit="1"/>
+          </p:cNvSpPr>
+          <p:nvPr>
+            <p:extLst>
+              <p:ext uri="{386F3935-93C4-4BCD-93E2-E3B085C9AB24}">
+                <p16:designElem xmlns:p16="http://schemas.microsoft.com/office/powerpoint/2015/main" val="1"/>
+              </p:ext>
+            </p:extLst>
+          </p:nvPr>
+        </p:nvSpPr>
+        <p:spPr>
+          <a:xfrm>
+            <a:off x="640080" y="2586994"/>
+            <a:ext cx="3474720" cy="18288"/>
+          </a:xfrm>
+          <a:custGeom>
+            <a:avLst/>
+            <a:gdLst>
+              <a:gd name="connsiteX0" fmla="*/ 0 w 3474720"/>
+              <a:gd name="connsiteY0" fmla="*/ 0 h 18288"/>
+              <a:gd name="connsiteX1" fmla="*/ 694944 w 3474720"/>
+              <a:gd name="connsiteY1" fmla="*/ 0 h 18288"/>
+              <a:gd name="connsiteX2" fmla="*/ 1355141 w 3474720"/>
+              <a:gd name="connsiteY2" fmla="*/ 0 h 18288"/>
+              <a:gd name="connsiteX3" fmla="*/ 2015338 w 3474720"/>
+              <a:gd name="connsiteY3" fmla="*/ 0 h 18288"/>
+              <a:gd name="connsiteX4" fmla="*/ 2779776 w 3474720"/>
+              <a:gd name="connsiteY4" fmla="*/ 0 h 18288"/>
+              <a:gd name="connsiteX5" fmla="*/ 3474720 w 3474720"/>
+              <a:gd name="connsiteY5" fmla="*/ 0 h 18288"/>
+              <a:gd name="connsiteX6" fmla="*/ 3474720 w 3474720"/>
+              <a:gd name="connsiteY6" fmla="*/ 18288 h 18288"/>
+              <a:gd name="connsiteX7" fmla="*/ 2779776 w 3474720"/>
+              <a:gd name="connsiteY7" fmla="*/ 18288 h 18288"/>
+              <a:gd name="connsiteX8" fmla="*/ 2189074 w 3474720"/>
+              <a:gd name="connsiteY8" fmla="*/ 18288 h 18288"/>
+              <a:gd name="connsiteX9" fmla="*/ 1528877 w 3474720"/>
+              <a:gd name="connsiteY9" fmla="*/ 18288 h 18288"/>
+              <a:gd name="connsiteX10" fmla="*/ 868680 w 3474720"/>
+              <a:gd name="connsiteY10" fmla="*/ 18288 h 18288"/>
+              <a:gd name="connsiteX11" fmla="*/ 0 w 3474720"/>
+              <a:gd name="connsiteY11" fmla="*/ 18288 h 18288"/>
+              <a:gd name="connsiteX12" fmla="*/ 0 w 3474720"/>
+              <a:gd name="connsiteY12" fmla="*/ 0 h 18288"/>
+            </a:gdLst>
+            <a:ahLst/>
+            <a:cxnLst>
+              <a:cxn ang="0">
+                <a:pos x="connsiteX0" y="connsiteY0"/>
+              </a:cxn>
+              <a:cxn ang="0">
+                <a:pos x="connsiteX1" y="connsiteY1"/>
+              </a:cxn>
+              <a:cxn ang="0">
+                <a:pos x="connsiteX2" y="connsiteY2"/>
+              </a:cxn>
+              <a:cxn ang="0">
+                <a:pos x="connsiteX3" y="connsiteY3"/>
+              </a:cxn>
+              <a:cxn ang="0">
+                <a:pos x="connsiteX4" y="connsiteY4"/>
+              </a:cxn>
+              <a:cxn ang="0">
+                <a:pos x="connsiteX5" y="connsiteY5"/>
+              </a:cxn>
+              <a:cxn ang="0">
+                <a:pos x="connsiteX6" y="connsiteY6"/>
+              </a:cxn>
+              <a:cxn ang="0">
+                <a:pos x="connsiteX7" y="connsiteY7"/>
+              </a:cxn>
+              <a:cxn ang="0">
+                <a:pos x="connsiteX8" y="connsiteY8"/>
+              </a:cxn>
+              <a:cxn ang="0">
+                <a:pos x="connsiteX9" y="connsiteY9"/>
+              </a:cxn>
+              <a:cxn ang="0">
+                <a:pos x="connsiteX10" y="connsiteY10"/>
+              </a:cxn>
+              <a:cxn ang="0">
+                <a:pos x="connsiteX11" y="connsiteY11"/>
+              </a:cxn>
+              <a:cxn ang="0">
+                <a:pos x="connsiteX12" y="connsiteY12"/>
+              </a:cxn>
+            </a:cxnLst>
+            <a:rect l="l" t="t" r="r" b="b"/>
+            <a:pathLst>
+              <a:path w="3474720" h="18288" fill="none" extrusionOk="0">
+                <a:moveTo>
+                  <a:pt x="0" y="0"/>
+                </a:moveTo>
+                <a:cubicBezTo>
+                  <a:pt x="224454" y="-14544"/>
+                  <a:pt x="495407" y="26540"/>
+                  <a:pt x="694944" y="0"/>
+                </a:cubicBezTo>
+                <a:cubicBezTo>
+                  <a:pt x="894481" y="-26540"/>
+                  <a:pt x="1130063" y="24713"/>
+                  <a:pt x="1355141" y="0"/>
+                </a:cubicBezTo>
+                <a:cubicBezTo>
+                  <a:pt x="1580219" y="-24713"/>
+                  <a:pt x="1820099" y="26695"/>
+                  <a:pt x="2015338" y="0"/>
+                </a:cubicBezTo>
+                <a:cubicBezTo>
+                  <a:pt x="2210577" y="-26695"/>
+                  <a:pt x="2402045" y="165"/>
+                  <a:pt x="2779776" y="0"/>
+                </a:cubicBezTo>
+                <a:cubicBezTo>
+                  <a:pt x="3157507" y="-165"/>
+                  <a:pt x="3286859" y="-15571"/>
+                  <a:pt x="3474720" y="0"/>
+                </a:cubicBezTo>
+                <a:cubicBezTo>
+                  <a:pt x="3474286" y="7551"/>
+                  <a:pt x="3474253" y="9822"/>
+                  <a:pt x="3474720" y="18288"/>
+                </a:cubicBezTo>
+                <a:cubicBezTo>
+                  <a:pt x="3233904" y="29845"/>
+                  <a:pt x="2945134" y="-5256"/>
+                  <a:pt x="2779776" y="18288"/>
+                </a:cubicBezTo>
+                <a:cubicBezTo>
+                  <a:pt x="2614418" y="41832"/>
+                  <a:pt x="2339768" y="22709"/>
+                  <a:pt x="2189074" y="18288"/>
+                </a:cubicBezTo>
+                <a:cubicBezTo>
+                  <a:pt x="2038380" y="13867"/>
+                  <a:pt x="1817434" y="-4947"/>
+                  <a:pt x="1528877" y="18288"/>
+                </a:cubicBezTo>
+                <a:cubicBezTo>
+                  <a:pt x="1240320" y="41523"/>
+                  <a:pt x="1042447" y="37198"/>
+                  <a:pt x="868680" y="18288"/>
+                </a:cubicBezTo>
+                <a:cubicBezTo>
+                  <a:pt x="694913" y="-622"/>
+                  <a:pt x="233232" y="44909"/>
+                  <a:pt x="0" y="18288"/>
+                </a:cubicBezTo>
+                <a:cubicBezTo>
+                  <a:pt x="60" y="11696"/>
+                  <a:pt x="66" y="3758"/>
+                  <a:pt x="0" y="0"/>
+                </a:cubicBezTo>
+                <a:close/>
+              </a:path>
+              <a:path w="3474720" h="18288" stroke="0" extrusionOk="0">
+                <a:moveTo>
+                  <a:pt x="0" y="0"/>
+                </a:moveTo>
+                <a:cubicBezTo>
+                  <a:pt x="202328" y="-14716"/>
+                  <a:pt x="332722" y="-11499"/>
+                  <a:pt x="625450" y="0"/>
+                </a:cubicBezTo>
+                <a:cubicBezTo>
+                  <a:pt x="918178" y="11499"/>
+                  <a:pt x="1096688" y="5123"/>
+                  <a:pt x="1389888" y="0"/>
+                </a:cubicBezTo>
+                <a:cubicBezTo>
+                  <a:pt x="1683088" y="-5123"/>
+                  <a:pt x="1835981" y="-14038"/>
+                  <a:pt x="1980590" y="0"/>
+                </a:cubicBezTo>
+                <a:cubicBezTo>
+                  <a:pt x="2125199" y="14038"/>
+                  <a:pt x="2396099" y="-7203"/>
+                  <a:pt x="2571293" y="0"/>
+                </a:cubicBezTo>
+                <a:cubicBezTo>
+                  <a:pt x="2746487" y="7203"/>
+                  <a:pt x="3041609" y="-12036"/>
+                  <a:pt x="3474720" y="0"/>
+                </a:cubicBezTo>
+                <a:cubicBezTo>
+                  <a:pt x="3474638" y="4406"/>
+                  <a:pt x="3474631" y="9982"/>
+                  <a:pt x="3474720" y="18288"/>
+                </a:cubicBezTo>
+                <a:cubicBezTo>
+                  <a:pt x="3324873" y="21876"/>
+                  <a:pt x="3136771" y="12587"/>
+                  <a:pt x="2814523" y="18288"/>
+                </a:cubicBezTo>
+                <a:cubicBezTo>
+                  <a:pt x="2492275" y="23989"/>
+                  <a:pt x="2294402" y="47111"/>
+                  <a:pt x="2154326" y="18288"/>
+                </a:cubicBezTo>
+                <a:cubicBezTo>
+                  <a:pt x="2014250" y="-10535"/>
+                  <a:pt x="1820317" y="33903"/>
+                  <a:pt x="1494130" y="18288"/>
+                </a:cubicBezTo>
+                <a:cubicBezTo>
+                  <a:pt x="1167943" y="2673"/>
+                  <a:pt x="948432" y="14868"/>
+                  <a:pt x="729691" y="18288"/>
+                </a:cubicBezTo>
+                <a:cubicBezTo>
+                  <a:pt x="510950" y="21708"/>
+                  <a:pt x="264032" y="24354"/>
+                  <a:pt x="0" y="18288"/>
+                </a:cubicBezTo>
+                <a:cubicBezTo>
+                  <a:pt x="189" y="14288"/>
+                  <a:pt x="-703" y="3747"/>
+                  <a:pt x="0" y="0"/>
+                </a:cubicBezTo>
+                <a:close/>
+              </a:path>
+            </a:pathLst>
+          </a:custGeom>
+          <a:solidFill>
+            <a:schemeClr val="accent2"/>
+          </a:solidFill>
+          <a:ln w="44450" cap="rnd">
+            <a:solidFill>
+              <a:schemeClr val="accent2"/>
+            </a:solidFill>
+            <a:round/>
+            <a:extLst>
+              <a:ext uri="{C807C97D-BFC1-408E-A445-0C87EB9F89A2}">
+                <ask:lineSketchStyleProps xmlns:ask="http://schemas.microsoft.com/office/drawing/2018/sketchyshapes" sd="2863741219">
+                  <a:prstGeom prst="rect">
+                    <a:avLst/>
+                  </a:prstGeom>
+                  <ask:type>
+                    <ask:lineSketchFreehand/>
+                  </ask:type>
+                </ask:lineSketchStyleProps>
+              </a:ext>
+            </a:extLst>
+          </a:ln>
+        </p:spPr>
+        <p:style>
+          <a:lnRef idx="2">
+            <a:schemeClr val="accent1">
+              <a:shade val="50000"/>
+            </a:schemeClr>
+          </a:lnRef>
+          <a:fillRef idx="1">
+            <a:schemeClr val="accent1"/>
+          </a:fillRef>
+          <a:effectRef idx="0">
+            <a:schemeClr val="accent1"/>
+          </a:effectRef>
+          <a:fontRef idx="minor">
+            <a:schemeClr val="lt1"/>
+          </a:fontRef>
+        </p:style>
+        <p:txBody>
+          <a:bodyPr rtlCol="0" anchor="ctr"/>
+          <a:lstStyle/>
+          <a:p>
+            <a:pPr algn="ctr"/>
+            <a:endParaRPr lang="en-US"/>
+          </a:p>
+        </p:txBody>
+      </p:sp>
+      <p:sp>
+        <p:nvSpPr>
+          <p:cNvPr id="6" name="TextBox 5">
+            <a:extLst>
+              <a:ext uri="{FF2B5EF4-FFF2-40B4-BE49-F238E27FC236}">
+                <a16:creationId xmlns:a16="http://schemas.microsoft.com/office/drawing/2014/main" id="{B0A51B35-5854-FD8A-4146-4249C8CBB661}"/>
+              </a:ext>
+            </a:extLst>
+          </p:cNvPr>
+          <p:cNvSpPr txBox="1"/>
+          <p:nvPr/>
+        </p:nvSpPr>
+        <p:spPr>
+          <a:xfrm>
+            <a:off x="640080" y="2872899"/>
+            <a:ext cx="4243589" cy="3320668"/>
+          </a:xfrm>
+          <a:prstGeom prst="rect">
+            <a:avLst/>
+          </a:prstGeom>
+        </p:spPr>
+        <p:txBody>
+          <a:bodyPr vert="horz" lIns="91440" tIns="45720" rIns="91440" bIns="45720" rtlCol="0">
+            <a:normAutofit/>
+          </a:bodyPr>
+          <a:lstStyle/>
+          <a:p>
+            <a:pPr indent="-228600">
+              <a:lnSpc>
+                <a:spcPct val="90000"/>
+              </a:lnSpc>
+              <a:spcAft>
+                <a:spcPts val="600"/>
+              </a:spcAft>
+              <a:buFont typeface="Arial" panose="020B0604020202020204" pitchFamily="34" charset="0"/>
+              <a:buChar char="•"/>
+            </a:pPr>
+            <a:r>
+              <a:rPr lang="en-US" sz="1900"/>
+              <a:t>Для создания новой таблицы с данными по выгоде на жилой дом, </a:t>
+            </a:r>
+          </a:p>
+          <a:p>
+            <a:pPr indent="-228600">
+              <a:lnSpc>
+                <a:spcPct val="90000"/>
+              </a:lnSpc>
+              <a:spcAft>
+                <a:spcPts val="600"/>
+              </a:spcAft>
+              <a:buFont typeface="Arial" panose="020B0604020202020204" pitchFamily="34" charset="0"/>
+              <a:buChar char="•"/>
+            </a:pPr>
+            <a:r>
+              <a:rPr lang="en-US" sz="1900"/>
+              <a:t>мы используем среднее значение 1000 для содержания</a:t>
+            </a:r>
+          </a:p>
+          <a:p>
+            <a:pPr indent="-228600">
+              <a:lnSpc>
+                <a:spcPct val="90000"/>
+              </a:lnSpc>
+              <a:spcAft>
+                <a:spcPts val="600"/>
+              </a:spcAft>
+              <a:buFont typeface="Arial" panose="020B0604020202020204" pitchFamily="34" charset="0"/>
+              <a:buChar char="•"/>
+            </a:pPr>
+            <a:r>
+              <a:rPr lang="en-US" sz="1900"/>
+              <a:t>1 человека управляющей компанией. Умножив это на разницу между</a:t>
+            </a:r>
+          </a:p>
+          <a:p>
+            <a:pPr indent="-228600">
+              <a:lnSpc>
+                <a:spcPct val="90000"/>
+              </a:lnSpc>
+              <a:spcAft>
+                <a:spcPts val="600"/>
+              </a:spcAft>
+              <a:buFont typeface="Arial" panose="020B0604020202020204" pitchFamily="34" charset="0"/>
+              <a:buChar char="•"/>
+            </a:pPr>
+            <a:r>
+              <a:rPr lang="en-US" sz="1900"/>
+              <a:t>Фактическими и официальными показаниями количества жильцов</a:t>
+            </a:r>
+          </a:p>
+          <a:p>
+            <a:pPr indent="-228600">
+              <a:lnSpc>
+                <a:spcPct val="90000"/>
+              </a:lnSpc>
+              <a:spcAft>
+                <a:spcPts val="600"/>
+              </a:spcAft>
+              <a:buFont typeface="Arial" panose="020B0604020202020204" pitchFamily="34" charset="0"/>
+              <a:buChar char="•"/>
+            </a:pPr>
+            <a:r>
+              <a:rPr lang="en-US" sz="1900"/>
+              <a:t>Мы получаем потенциальную выгоду</a:t>
+            </a:r>
+          </a:p>
+        </p:txBody>
+      </p:sp>
+      <p:pic>
+        <p:nvPicPr>
+          <p:cNvPr id="5" name="Объект 4">
+            <a:extLst>
+              <a:ext uri="{FF2B5EF4-FFF2-40B4-BE49-F238E27FC236}">
+                <a16:creationId xmlns:a16="http://schemas.microsoft.com/office/drawing/2014/main" id="{20FCCD55-132F-8E18-A442-0E4EF5C15B67}"/>
+              </a:ext>
+            </a:extLst>
+          </p:cNvPr>
+          <p:cNvPicPr>
+            <a:picLocks noGrp="1" noChangeAspect="1"/>
+          </p:cNvPicPr>
+          <p:nvPr>
+            <p:ph idx="1"/>
+          </p:nvPr>
+        </p:nvPicPr>
+        <p:blipFill rotWithShape="1">
+          <a:blip r:embed="rId2"/>
+          <a:srcRect r="28031" b="-2"/>
+          <a:stretch/>
+        </p:blipFill>
+        <p:spPr>
+          <a:xfrm>
+            <a:off x="5311702" y="10"/>
+            <a:ext cx="6878775" cy="6857990"/>
+          </a:xfrm>
+          <a:custGeom>
+            <a:avLst/>
+            <a:gdLst/>
+            <a:ahLst/>
+            <a:cxnLst/>
+            <a:rect l="l" t="t" r="r" b="b"/>
+            <a:pathLst>
+              <a:path w="6878775" h="6858000">
+                <a:moveTo>
+                  <a:pt x="1102973" y="0"/>
+                </a:moveTo>
+                <a:lnTo>
+                  <a:pt x="1160688" y="0"/>
+                </a:lnTo>
+                <a:lnTo>
+                  <a:pt x="983189" y="331786"/>
+                </a:lnTo>
+                <a:cubicBezTo>
+                  <a:pt x="914866" y="469145"/>
+                  <a:pt x="850355" y="608712"/>
+                  <a:pt x="789261" y="750263"/>
+                </a:cubicBezTo>
+                <a:cubicBezTo>
+                  <a:pt x="774307" y="784928"/>
+                  <a:pt x="759992" y="819849"/>
+                  <a:pt x="745295" y="854514"/>
+                </a:cubicBezTo>
+                <a:cubicBezTo>
+                  <a:pt x="756682" y="845393"/>
+                  <a:pt x="765489" y="833492"/>
+                  <a:pt x="770857" y="819975"/>
+                </a:cubicBezTo>
+                <a:cubicBezTo>
+                  <a:pt x="879943" y="589569"/>
+                  <a:pt x="999605" y="365513"/>
+                  <a:pt x="1131329" y="148742"/>
+                </a:cubicBezTo>
+                <a:lnTo>
+                  <a:pt x="1227589" y="0"/>
+                </a:lnTo>
+                <a:lnTo>
+                  <a:pt x="6878775" y="0"/>
+                </a:lnTo>
+                <a:lnTo>
+                  <a:pt x="6878775" y="6858000"/>
+                </a:lnTo>
+                <a:lnTo>
+                  <a:pt x="713521" y="6858000"/>
+                </a:lnTo>
+                <a:lnTo>
+                  <a:pt x="625642" y="6670527"/>
+                </a:lnTo>
+                <a:cubicBezTo>
+                  <a:pt x="507232" y="6398531"/>
+                  <a:pt x="403083" y="6118381"/>
+                  <a:pt x="312785" y="5830359"/>
+                </a:cubicBezTo>
+                <a:cubicBezTo>
+                  <a:pt x="278149" y="5719759"/>
+                  <a:pt x="248879" y="5607635"/>
+                  <a:pt x="212198" y="5480401"/>
+                </a:cubicBezTo>
+                <a:cubicBezTo>
+                  <a:pt x="212208" y="5491601"/>
+                  <a:pt x="212803" y="5502788"/>
+                  <a:pt x="213988" y="5513923"/>
+                </a:cubicBezTo>
+                <a:cubicBezTo>
+                  <a:pt x="264089" y="5723695"/>
+                  <a:pt x="307290" y="5935370"/>
+                  <a:pt x="365826" y="6142729"/>
+                </a:cubicBezTo>
+                <a:cubicBezTo>
+                  <a:pt x="433152" y="6380817"/>
+                  <a:pt x="510068" y="6614016"/>
+                  <a:pt x="597975" y="6841549"/>
+                </a:cubicBezTo>
+                <a:lnTo>
+                  <a:pt x="604824" y="6858000"/>
+                </a:lnTo>
+                <a:lnTo>
+                  <a:pt x="552056" y="6858000"/>
+                </a:lnTo>
+                <a:lnTo>
+                  <a:pt x="539576" y="6828295"/>
+                </a:lnTo>
+                <a:cubicBezTo>
+                  <a:pt x="380597" y="6414594"/>
+                  <a:pt x="260223" y="5988893"/>
+                  <a:pt x="171555" y="5552906"/>
+                </a:cubicBezTo>
+                <a:cubicBezTo>
+                  <a:pt x="91163" y="5157998"/>
+                  <a:pt x="43746" y="4758899"/>
+                  <a:pt x="12305" y="4357388"/>
+                </a:cubicBezTo>
+                <a:cubicBezTo>
+                  <a:pt x="-14281" y="4013908"/>
+                  <a:pt x="4507" y="3672965"/>
+                  <a:pt x="46684" y="3331516"/>
+                </a:cubicBezTo>
+                <a:cubicBezTo>
+                  <a:pt x="127203" y="2664286"/>
+                  <a:pt x="277819" y="2007265"/>
+                  <a:pt x="496065" y="1371196"/>
+                </a:cubicBezTo>
+                <a:cubicBezTo>
+                  <a:pt x="636273" y="966066"/>
+                  <a:pt x="800445" y="573253"/>
+                  <a:pt x="995723" y="196614"/>
+                </a:cubicBezTo>
+                <a:close/>
+              </a:path>
+            </a:pathLst>
+          </a:custGeom>
+        </p:spPr>
+      </p:pic>
+    </p:spTree>
+    <p:extLst>
+      <p:ext uri="{BB962C8B-B14F-4D97-AF65-F5344CB8AC3E}">
+        <p14:creationId xmlns:p14="http://schemas.microsoft.com/office/powerpoint/2010/main" val="2577181474"/>
+      </p:ext>
+    </p:extLst>
+  </p:cSld>
+  <p:clrMapOvr>
+    <a:masterClrMapping/>
+  </p:clrMapOvr>
+</p:sld>
+</file>
+
 <file path=ppt/slides/slide2.xml><?xml version="1.0" encoding="utf-8"?>
 <p:sld xmlns:a="http://schemas.openxmlformats.org/drawingml/2006/main" xmlns:r="http://schemas.openxmlformats.org/officeDocument/2006/relationships" xmlns:p="http://schemas.openxmlformats.org/presentationml/2006/main">
   <p:cSld>

--- a/презентация разработчик.pptx
+++ b/презентация разработчик.pptx
@@ -37789,7 +37789,7 @@
           <a:lstStyle/>
           <a:p>
             <a:r>
-              <a:rPr lang="ru-RU" sz="1200">
+              <a:rPr lang="ru-RU" sz="1200" dirty="0">
                 <a:effectLst/>
                 <a:latin typeface="Roboto" panose="02000000000000000000" pitchFamily="2" charset="0"/>
                 <a:ea typeface="Times New Roman" panose="02020603050405020304" pitchFamily="18" charset="0"/>
@@ -37797,7 +37797,7 @@
               <a:t>Стоимость содержания одного человека управляющей компанией может варьироваться в зависимости от многих факторов, таких как регион, количество жильцов, площадь жилья и т.д. </a:t>
             </a:r>
             <a:r>
-              <a:rPr lang="ru-RU" sz="1200" u="sng">
+              <a:rPr lang="ru-RU" sz="1200" u="sng" dirty="0">
                 <a:effectLst/>
                 <a:latin typeface="Roboto" panose="02000000000000000000" pitchFamily="2" charset="0"/>
                 <a:ea typeface="Times New Roman" panose="02020603050405020304" pitchFamily="18" charset="0"/>
@@ -37806,7 +37806,7 @@
               <a:t>В среднем, стоимость содержания одного человека управляющей компанией составляет от 500 до 1500 рублей в месяц</a:t>
             </a:r>
             <a:r>
-              <a:rPr lang="ru-RU" sz="1200" b="1" u="none" strike="noStrike" baseline="30000">
+              <a:rPr lang="ru-RU" sz="1200" b="1" u="none" strike="noStrike" baseline="30000" dirty="0">
                 <a:effectLst/>
                 <a:latin typeface="Roboto" panose="02000000000000000000" pitchFamily="2" charset="0"/>
                 <a:ea typeface="Times New Roman" panose="02020603050405020304" pitchFamily="18" charset="0"/>
@@ -37815,7 +37815,7 @@
               <a:t>1</a:t>
             </a:r>
             <a:r>
-              <a:rPr lang="ru-RU" sz="1200" b="1" u="none" strike="noStrike" baseline="30000">
+              <a:rPr lang="ru-RU" sz="1200" b="1" u="none" strike="noStrike" baseline="30000" dirty="0">
                 <a:effectLst/>
                 <a:latin typeface="Roboto" panose="02000000000000000000" pitchFamily="2" charset="0"/>
                 <a:ea typeface="Times New Roman" panose="02020603050405020304" pitchFamily="18" charset="0"/>
@@ -37824,7 +37824,7 @@
               <a:t>2</a:t>
             </a:r>
             <a:r>
-              <a:rPr lang="ru-RU" sz="1200" b="1" u="none" strike="noStrike" baseline="30000">
+              <a:rPr lang="ru-RU" sz="1200" b="1" u="none" strike="noStrike" baseline="30000" dirty="0">
                 <a:effectLst/>
                 <a:latin typeface="Roboto" panose="02000000000000000000" pitchFamily="2" charset="0"/>
                 <a:ea typeface="Times New Roman" panose="02020603050405020304" pitchFamily="18" charset="0"/>
@@ -37833,14 +37833,14 @@
               <a:t>3</a:t>
             </a:r>
             <a:r>
-              <a:rPr lang="ru-RU" sz="1200">
+              <a:rPr lang="ru-RU" sz="1200" dirty="0">
                 <a:effectLst/>
                 <a:latin typeface="Roboto" panose="02000000000000000000" pitchFamily="2" charset="0"/>
                 <a:ea typeface="Times New Roman" panose="02020603050405020304" pitchFamily="18" charset="0"/>
               </a:rPr>
               <a:t>. Однако, эта цифра может быть выше или ниже в зависимости от конкретной ситуации.</a:t>
             </a:r>
-            <a:endParaRPr lang="ru-RU" sz="1200">
+            <a:endParaRPr lang="ru-RU" sz="1200" dirty="0">
               <a:effectLst/>
               <a:latin typeface="Times New Roman" panose="02020603050405020304" pitchFamily="18" charset="0"/>
               <a:ea typeface="Times New Roman" panose="02020603050405020304" pitchFamily="18" charset="0"/>
@@ -37848,7 +37848,7 @@
           </a:p>
           <a:p>
             <a:r>
-              <a:rPr lang="en-US" sz="1200" b="1" u="none" strike="noStrike" baseline="30000">
+              <a:rPr lang="en-US" sz="1200" b="1" u="none" strike="noStrike" baseline="30000" dirty="0">
                 <a:effectLst/>
                 <a:latin typeface="Roboto" panose="02000000000000000000" pitchFamily="2" charset="0"/>
                 <a:ea typeface="Times New Roman" panose="02020603050405020304" pitchFamily="18" charset="0"/>
@@ -37857,7 +37857,7 @@
               <a:t>1</a:t>
             </a:r>
             <a:r>
-              <a:rPr lang="en-US" sz="1200">
+              <a:rPr lang="en-US" sz="1200" dirty="0">
                 <a:effectLst/>
                 <a:latin typeface="Roboto" panose="02000000000000000000" pitchFamily="2" charset="0"/>
                 <a:ea typeface="Times New Roman" panose="02020603050405020304" pitchFamily="18" charset="0"/>
@@ -37865,7 +37865,7 @@
               <a:t>: </a:t>
             </a:r>
             <a:r>
-              <a:rPr lang="en-US" sz="1200" u="none" strike="noStrike">
+              <a:rPr lang="en-US" sz="1200" u="none" strike="noStrike" dirty="0">
                 <a:effectLst/>
                 <a:latin typeface="Roboto" panose="02000000000000000000" pitchFamily="2" charset="0"/>
                 <a:ea typeface="Times New Roman" panose="02020603050405020304" pitchFamily="18" charset="0"/>
@@ -37874,7 +37874,7 @@
               <a:t>mirkvartir.ru</a:t>
             </a:r>
             <a:r>
-              <a:rPr lang="en-US" sz="1200">
+              <a:rPr lang="en-US" sz="1200" dirty="0">
                 <a:effectLst/>
                 <a:latin typeface="Roboto" panose="02000000000000000000" pitchFamily="2" charset="0"/>
                 <a:ea typeface="Times New Roman" panose="02020603050405020304" pitchFamily="18" charset="0"/>
@@ -37882,7 +37882,7 @@
               <a:t> </a:t>
             </a:r>
             <a:r>
-              <a:rPr lang="en-US" sz="1200" b="1" u="none" strike="noStrike" baseline="30000">
+              <a:rPr lang="en-US" sz="1200" b="1" u="none" strike="noStrike" baseline="30000" dirty="0">
                 <a:effectLst/>
                 <a:latin typeface="Roboto" panose="02000000000000000000" pitchFamily="2" charset="0"/>
                 <a:ea typeface="Times New Roman" panose="02020603050405020304" pitchFamily="18" charset="0"/>
@@ -37891,7 +37891,7 @@
               <a:t>2</a:t>
             </a:r>
             <a:r>
-              <a:rPr lang="en-US" sz="1200">
+              <a:rPr lang="en-US" sz="1200" dirty="0">
                 <a:effectLst/>
                 <a:latin typeface="Roboto" panose="02000000000000000000" pitchFamily="2" charset="0"/>
                 <a:ea typeface="Times New Roman" panose="02020603050405020304" pitchFamily="18" charset="0"/>
@@ -37899,7 +37899,7 @@
               <a:t>: </a:t>
             </a:r>
             <a:r>
-              <a:rPr lang="en-US" sz="1200" u="none" strike="noStrike">
+              <a:rPr lang="en-US" sz="1200" u="none" strike="noStrike" dirty="0">
                 <a:effectLst/>
                 <a:latin typeface="Roboto" panose="02000000000000000000" pitchFamily="2" charset="0"/>
                 <a:ea typeface="Times New Roman" panose="02020603050405020304" pitchFamily="18" charset="0"/>
@@ -37908,7 +37908,7 @@
               <a:t>garant.ru</a:t>
             </a:r>
             <a:r>
-              <a:rPr lang="en-US" sz="1200">
+              <a:rPr lang="en-US" sz="1200" dirty="0">
                 <a:effectLst/>
                 <a:latin typeface="Roboto" panose="02000000000000000000" pitchFamily="2" charset="0"/>
                 <a:ea typeface="Times New Roman" panose="02020603050405020304" pitchFamily="18" charset="0"/>
@@ -37916,7 +37916,7 @@
               <a:t> </a:t>
             </a:r>
             <a:r>
-              <a:rPr lang="en-US" sz="1200" b="1" u="none" strike="noStrike" baseline="30000">
+              <a:rPr lang="en-US" sz="1200" b="1" u="none" strike="noStrike" baseline="30000" dirty="0">
                 <a:effectLst/>
                 <a:latin typeface="Roboto" panose="02000000000000000000" pitchFamily="2" charset="0"/>
                 <a:ea typeface="Times New Roman" panose="02020603050405020304" pitchFamily="18" charset="0"/>
@@ -37925,7 +37925,7 @@
               <a:t>3</a:t>
             </a:r>
             <a:r>
-              <a:rPr lang="en-US" sz="1200">
+              <a:rPr lang="en-US" sz="1200" dirty="0">
                 <a:effectLst/>
                 <a:latin typeface="Roboto" panose="02000000000000000000" pitchFamily="2" charset="0"/>
                 <a:ea typeface="Times New Roman" panose="02020603050405020304" pitchFamily="18" charset="0"/>
@@ -37933,7 +37933,7 @@
               <a:t>: </a:t>
             </a:r>
             <a:r>
-              <a:rPr lang="en-US" sz="1200" u="none" strike="noStrike">
+              <a:rPr lang="en-US" sz="1200" u="none" strike="noStrike" dirty="0">
                 <a:effectLst/>
                 <a:latin typeface="Roboto" panose="02000000000000000000" pitchFamily="2" charset="0"/>
                 <a:ea typeface="Times New Roman" panose="02020603050405020304" pitchFamily="18" charset="0"/>
@@ -37941,7 +37941,7 @@
               </a:rPr>
               <a:t>grnt.ru</a:t>
             </a:r>
-            <a:endParaRPr lang="ru-RU" sz="1200">
+            <a:endParaRPr lang="ru-RU" sz="1200" dirty="0">
               <a:effectLst/>
               <a:latin typeface="Times New Roman" panose="02020603050405020304" pitchFamily="18" charset="0"/>
               <a:ea typeface="Times New Roman" panose="02020603050405020304" pitchFamily="18" charset="0"/>
@@ -37949,14 +37949,14 @@
           </a:p>
           <a:p>
             <a:r>
-              <a:rPr lang="ru-RU" sz="1200">
+              <a:rPr lang="ru-RU" sz="1200" dirty="0">
                 <a:effectLst/>
                 <a:latin typeface="Roboto" panose="02000000000000000000" pitchFamily="2" charset="0"/>
                 <a:ea typeface="Times New Roman" panose="02020603050405020304" pitchFamily="18" charset="0"/>
               </a:rPr>
               <a:t> </a:t>
             </a:r>
-            <a:endParaRPr lang="ru-RU" sz="1200">
+            <a:endParaRPr lang="ru-RU" sz="1200" dirty="0">
               <a:effectLst/>
               <a:latin typeface="Times New Roman" panose="02020603050405020304" pitchFamily="18" charset="0"/>
               <a:ea typeface="Times New Roman" panose="02020603050405020304" pitchFamily="18" charset="0"/>
@@ -37964,7 +37964,7 @@
           </a:p>
           <a:p>
             <a:r>
-              <a:rPr lang="ru-RU" sz="1200">
+              <a:rPr lang="ru-RU" sz="1200" dirty="0">
                 <a:effectLst/>
                 <a:latin typeface="Roboto" panose="02000000000000000000" pitchFamily="2" charset="0"/>
                 <a:ea typeface="Times New Roman" panose="02020603050405020304" pitchFamily="18" charset="0"/>
@@ -37972,7 +37972,7 @@
               <a:t>Т.е. в среднем берем 1000 рублей на содержание одного человека управляющей компанией. </a:t>
             </a:r>
             <a:r>
-              <a:rPr lang="ru-RU" sz="1200">
+              <a:rPr lang="ru-RU" sz="1200" dirty="0">
                 <a:effectLst/>
                 <a:latin typeface="Times New Roman" panose="02020603050405020304" pitchFamily="18" charset="0"/>
                 <a:ea typeface="Times New Roman" panose="02020603050405020304" pitchFamily="18" charset="0"/>
@@ -37981,7 +37981,7 @@
             </a:r>
           </a:p>
           <a:p>
-            <a:endParaRPr lang="ru-RU" sz="1200"/>
+            <a:endParaRPr lang="ru-RU" sz="1200" dirty="0"/>
           </a:p>
         </p:txBody>
       </p:sp>
